--- a/Diapositivas/IEHOUSE presentación.pptx
+++ b/Diapositivas/IEHOUSE presentación.pptx
@@ -5,7 +5,7 @@
     <p:sldMasterId id="2147483648" r:id="rId1"/>
   </p:sldMasterIdLst>
   <p:notesMasterIdLst>
-    <p:notesMasterId r:id="rId17"/>
+    <p:notesMasterId r:id="rId10"/>
   </p:notesMasterIdLst>
   <p:sldIdLst>
     <p:sldId id="256" r:id="rId2"/>
@@ -14,15 +14,8 @@
     <p:sldId id="269" r:id="rId5"/>
     <p:sldId id="259" r:id="rId6"/>
     <p:sldId id="260" r:id="rId7"/>
-    <p:sldId id="261" r:id="rId8"/>
-    <p:sldId id="263" r:id="rId9"/>
-    <p:sldId id="265" r:id="rId10"/>
-    <p:sldId id="270" r:id="rId11"/>
-    <p:sldId id="262" r:id="rId12"/>
-    <p:sldId id="264" r:id="rId13"/>
-    <p:sldId id="268" r:id="rId14"/>
-    <p:sldId id="266" r:id="rId15"/>
-    <p:sldId id="267" r:id="rId16"/>
+    <p:sldId id="265" r:id="rId8"/>
+    <p:sldId id="262" r:id="rId9"/>
   </p:sldIdLst>
   <p:sldSz cx="24384000" cy="15748000"/>
   <p:notesSz cx="6858000" cy="9144000"/>
@@ -3256,1836 +3249,6 @@
 </p:sld>
 </file>
 
-<file path=ppt/slides/slide10.xml><?xml version="1.0" encoding="utf-8"?>
-<p:sld xmlns:a="http://schemas.openxmlformats.org/drawingml/2006/main" xmlns:r="http://schemas.openxmlformats.org/officeDocument/2006/relationships" xmlns:p="http://schemas.openxmlformats.org/presentationml/2006/main">
-  <p:cSld>
-    <p:bg>
-      <p:bgPr>
-        <a:blipFill rotWithShape="1">
-          <a:blip r:embed="rId2"/>
-          <a:stretch>
-            <a:fillRect/>
-          </a:stretch>
-        </a:blipFill>
-        <a:effectLst/>
-      </p:bgPr>
-    </p:bg>
-    <p:spTree>
-      <p:nvGrpSpPr>
-        <p:cNvPr id="1" name=""/>
-        <p:cNvGrpSpPr/>
-        <p:nvPr/>
-      </p:nvGrpSpPr>
-      <p:grpSpPr>
-        <a:xfrm>
-          <a:off x="0" y="0"/>
-          <a:ext cx="0" cy="0"/>
-          <a:chOff x="0" y="0"/>
-          <a:chExt cx="0" cy="0"/>
-        </a:xfrm>
-      </p:grpSpPr>
-      <p:sp>
-        <p:nvSpPr>
-          <p:cNvPr id="5" name="CuadroTexto 4"/>
-          <p:cNvSpPr txBox="1"/>
-          <p:nvPr/>
-        </p:nvSpPr>
-        <p:spPr>
-          <a:xfrm>
-            <a:off x="20471862" y="13853483"/>
-            <a:ext cx="2617880" cy="575156"/>
-          </a:xfrm>
-          <a:prstGeom prst="rect">
-            <a:avLst/>
-          </a:prstGeom>
-          <a:noFill/>
-          <a:ln w="12700" cap="flat">
-            <a:noFill/>
-            <a:miter lim="400000"/>
-          </a:ln>
-          <a:effectLst/>
-          <a:sp3d/>
-        </p:spPr>
-        <p:style>
-          <a:lnRef idx="0">
-            <a:scrgbClr r="0" g="0" b="0"/>
-          </a:lnRef>
-          <a:fillRef idx="0">
-            <a:scrgbClr r="0" g="0" b="0"/>
-          </a:fillRef>
-          <a:effectRef idx="0">
-            <a:scrgbClr r="0" g="0" b="0"/>
-          </a:effectRef>
-          <a:fontRef idx="none"/>
-        </p:style>
-        <p:txBody>
-          <a:bodyPr rot="0" spcFirstLastPara="1" vertOverflow="overflow" horzOverflow="overflow" vert="horz" wrap="none" lIns="71437" tIns="71437" rIns="71437" bIns="71437" numCol="1" spcCol="38100" rtlCol="0" anchor="ctr">
-            <a:spAutoFit/>
-          </a:bodyPr>
-          <a:lstStyle/>
-          <a:p>
-            <a:pPr marL="0" marR="0" indent="0" algn="ctr" defTabSz="943239" rtl="0" fontAlgn="auto" latinLnBrk="0" hangingPunct="0">
-              <a:lnSpc>
-                <a:spcPct val="100000"/>
-              </a:lnSpc>
-              <a:spcBef>
-                <a:spcPts val="0"/>
-              </a:spcBef>
-              <a:spcAft>
-                <a:spcPts val="0"/>
-              </a:spcAft>
-              <a:buClrTx/>
-              <a:buSzTx/>
-              <a:buFontTx/>
-              <a:buNone/>
-              <a:tabLst/>
-            </a:pPr>
-            <a:r>
-              <a:rPr kumimoji="0" lang="es-ES" sz="2800" b="1" i="0" u="none" strike="noStrike" cap="none" spc="0" normalizeH="0" baseline="0" dirty="0">
-                <a:ln>
-                  <a:noFill/>
-                </a:ln>
-                <a:solidFill>
-                  <a:schemeClr val="bg2"/>
-                </a:solidFill>
-                <a:effectLst/>
-                <a:uFillTx/>
-                <a:latin typeface="Helvetica Neue"/>
-                <a:ea typeface="Helvetica Neue"/>
-                <a:cs typeface="Helvetica Neue"/>
-                <a:sym typeface="Helvetica Neue"/>
-              </a:rPr>
-              <a:t>Marca externa</a:t>
-            </a:r>
-          </a:p>
-        </p:txBody>
-      </p:sp>
-      <p:sp>
-        <p:nvSpPr>
-          <p:cNvPr id="6" name="Rectángulo 5"/>
-          <p:cNvSpPr/>
-          <p:nvPr/>
-        </p:nvSpPr>
-        <p:spPr>
-          <a:xfrm>
-            <a:off x="20232119" y="13413099"/>
-            <a:ext cx="3097366" cy="1455925"/>
-          </a:xfrm>
-          <a:prstGeom prst="rect">
-            <a:avLst/>
-          </a:prstGeom>
-          <a:noFill/>
-          <a:ln w="12700" cap="flat">
-            <a:solidFill>
-              <a:schemeClr val="bg2"/>
-            </a:solidFill>
-            <a:miter lim="400000"/>
-          </a:ln>
-          <a:effectLst/>
-          <a:sp3d/>
-        </p:spPr>
-        <p:style>
-          <a:lnRef idx="0">
-            <a:scrgbClr r="0" g="0" b="0"/>
-          </a:lnRef>
-          <a:fillRef idx="0">
-            <a:scrgbClr r="0" g="0" b="0"/>
-          </a:fillRef>
-          <a:effectRef idx="0">
-            <a:scrgbClr r="0" g="0" b="0"/>
-          </a:effectRef>
-          <a:fontRef idx="none"/>
-        </p:style>
-        <p:txBody>
-          <a:bodyPr rot="0" spcFirstLastPara="1" vertOverflow="overflow" horzOverflow="overflow" vert="horz" wrap="square" lIns="71437" tIns="71437" rIns="71437" bIns="71437" numCol="1" spcCol="38100" rtlCol="0" anchor="ctr">
-            <a:spAutoFit/>
-          </a:bodyPr>
-          <a:lstStyle/>
-          <a:p>
-            <a:pPr marL="0" marR="0" indent="0" algn="ctr" defTabSz="943239" rtl="0" fontAlgn="auto" latinLnBrk="0" hangingPunct="0">
-              <a:lnSpc>
-                <a:spcPct val="100000"/>
-              </a:lnSpc>
-              <a:spcBef>
-                <a:spcPts val="0"/>
-              </a:spcBef>
-              <a:spcAft>
-                <a:spcPts val="0"/>
-              </a:spcAft>
-              <a:buClrTx/>
-              <a:buSzTx/>
-              <a:buFontTx/>
-              <a:buNone/>
-              <a:tabLst/>
-            </a:pPr>
-            <a:endParaRPr kumimoji="0" lang="es-ES" sz="3400" b="0" i="0" u="none" strike="noStrike" cap="none" spc="0" normalizeH="0" baseline="0">
-              <a:ln>
-                <a:noFill/>
-              </a:ln>
-              <a:solidFill>
-                <a:srgbClr val="FFFFFF"/>
-              </a:solidFill>
-              <a:effectLst/>
-              <a:uFillTx/>
-              <a:latin typeface="+mn-lt"/>
-              <a:ea typeface="+mn-ea"/>
-              <a:cs typeface="+mn-cs"/>
-              <a:sym typeface="Helvetica Neue Medium"/>
-            </a:endParaRPr>
-          </a:p>
-        </p:txBody>
-      </p:sp>
-      <p:sp>
-        <p:nvSpPr>
-          <p:cNvPr id="7" name="Título"/>
-          <p:cNvSpPr txBox="1"/>
-          <p:nvPr/>
-        </p:nvSpPr>
-        <p:spPr>
-          <a:xfrm>
-            <a:off x="5585764" y="-44945"/>
-            <a:ext cx="13212471" cy="2037155"/>
-          </a:xfrm>
-          <a:prstGeom prst="rect">
-            <a:avLst/>
-          </a:prstGeom>
-          <a:ln w="12700">
-            <a:miter lim="400000"/>
-          </a:ln>
-          <a:extLst>
-            <a:ext uri="{C572A759-6A51-4108-AA02-DFA0A04FC94B}">
-              <ma14:wrappingTextBoxFlag xmlns:ma14="http://schemas.microsoft.com/office/mac/drawingml/2011/main" xmlns="" val="1"/>
-            </a:ext>
-          </a:extLst>
-        </p:spPr>
-        <p:txBody>
-          <a:bodyPr lIns="71437" tIns="71437" rIns="71437" bIns="71437" anchor="b">
-            <a:noAutofit/>
-          </a:bodyPr>
-          <a:lstStyle>
-            <a:lvl1pPr marL="28955" marR="28955" indent="9651" defTabSz="716862">
-              <a:lnSpc>
-                <a:spcPct val="80000"/>
-              </a:lnSpc>
-              <a:defRPr sz="16796">
-                <a:solidFill>
-                  <a:srgbClr val="434343"/>
-                </a:solidFill>
-                <a:latin typeface="Calibri"/>
-                <a:ea typeface="Calibri"/>
-                <a:cs typeface="Calibri"/>
-                <a:sym typeface="Calibri"/>
-              </a:defRPr>
-            </a:lvl1pPr>
-          </a:lstStyle>
-          <a:p>
-            <a:pPr>
-              <a:lnSpc>
-                <a:spcPct val="120000"/>
-              </a:lnSpc>
-            </a:pPr>
-            <a:r>
-              <a:rPr lang="es-ES_tradnl" sz="5400" dirty="0" smtClean="0"/>
-              <a:t>De casos de uso</a:t>
-            </a:r>
-            <a:endParaRPr sz="5400" dirty="0"/>
-          </a:p>
-        </p:txBody>
-      </p:sp>
-      <p:pic>
-        <p:nvPicPr>
-          <p:cNvPr id="2" name="Imagen 1"/>
-          <p:cNvPicPr>
-            <a:picLocks noChangeAspect="1"/>
-          </p:cNvPicPr>
-          <p:nvPr/>
-        </p:nvPicPr>
-        <p:blipFill>
-          <a:blip r:embed="rId3">
-            <a:extLst>
-              <a:ext uri="{28A0092B-C50C-407E-A947-70E740481C1C}">
-                <a14:useLocalDpi xmlns:a14="http://schemas.microsoft.com/office/drawing/2010/main" val="0"/>
-              </a:ext>
-            </a:extLst>
-          </a:blip>
-          <a:stretch>
-            <a:fillRect/>
-          </a:stretch>
-        </p:blipFill>
-        <p:spPr>
-          <a:xfrm>
-            <a:off x="5585764" y="3146446"/>
-            <a:ext cx="13450529" cy="11722578"/>
-          </a:xfrm>
-          <a:prstGeom prst="rect">
-            <a:avLst/>
-          </a:prstGeom>
-        </p:spPr>
-      </p:pic>
-      <p:pic>
-        <p:nvPicPr>
-          <p:cNvPr id="3" name="Imagen 2"/>
-          <p:cNvPicPr>
-            <a:picLocks noChangeAspect="1"/>
-          </p:cNvPicPr>
-          <p:nvPr/>
-        </p:nvPicPr>
-        <p:blipFill>
-          <a:blip r:embed="rId4">
-            <a:extLst>
-              <a:ext uri="{28A0092B-C50C-407E-A947-70E740481C1C}">
-                <a14:useLocalDpi xmlns:a14="http://schemas.microsoft.com/office/drawing/2010/main" val="0"/>
-              </a:ext>
-            </a:extLst>
-          </a:blip>
-          <a:stretch>
-            <a:fillRect/>
-          </a:stretch>
-        </p:blipFill>
-        <p:spPr>
-          <a:xfrm>
-            <a:off x="406811" y="5273675"/>
-            <a:ext cx="6934200" cy="5200650"/>
-          </a:xfrm>
-          <a:prstGeom prst="rect">
-            <a:avLst/>
-          </a:prstGeom>
-        </p:spPr>
-      </p:pic>
-      <p:cxnSp>
-        <p:nvCxnSpPr>
-          <p:cNvPr id="8" name="Conector recto 7"/>
-          <p:cNvCxnSpPr/>
-          <p:nvPr/>
-        </p:nvCxnSpPr>
-        <p:spPr>
-          <a:xfrm flipV="1">
-            <a:off x="6430297" y="4536350"/>
-            <a:ext cx="3807355" cy="2395392"/>
-          </a:xfrm>
-          <a:prstGeom prst="line">
-            <a:avLst/>
-          </a:prstGeom>
-          <a:ln/>
-        </p:spPr>
-        <p:style>
-          <a:lnRef idx="1">
-            <a:schemeClr val="dk1"/>
-          </a:lnRef>
-          <a:fillRef idx="0">
-            <a:schemeClr val="dk1"/>
-          </a:fillRef>
-          <a:effectRef idx="0">
-            <a:schemeClr val="dk1"/>
-          </a:effectRef>
-          <a:fontRef idx="minor">
-            <a:schemeClr val="tx1"/>
-          </a:fontRef>
-        </p:style>
-      </p:cxnSp>
-      <p:cxnSp>
-        <p:nvCxnSpPr>
-          <p:cNvPr id="10" name="Conector recto 9"/>
-          <p:cNvCxnSpPr/>
-          <p:nvPr/>
-        </p:nvCxnSpPr>
-        <p:spPr>
-          <a:xfrm flipV="1">
-            <a:off x="6735097" y="6523023"/>
-            <a:ext cx="3676223" cy="713519"/>
-          </a:xfrm>
-          <a:prstGeom prst="line">
-            <a:avLst/>
-          </a:prstGeom>
-          <a:ln/>
-        </p:spPr>
-        <p:style>
-          <a:lnRef idx="1">
-            <a:schemeClr val="dk1"/>
-          </a:lnRef>
-          <a:fillRef idx="0">
-            <a:schemeClr val="dk1"/>
-          </a:fillRef>
-          <a:effectRef idx="0">
-            <a:schemeClr val="dk1"/>
-          </a:effectRef>
-          <a:fontRef idx="minor">
-            <a:schemeClr val="tx1"/>
-          </a:fontRef>
-        </p:style>
-      </p:cxnSp>
-      <p:cxnSp>
-        <p:nvCxnSpPr>
-          <p:cNvPr id="11" name="Conector recto 10"/>
-          <p:cNvCxnSpPr/>
-          <p:nvPr/>
-        </p:nvCxnSpPr>
-        <p:spPr>
-          <a:xfrm>
-            <a:off x="6887497" y="7388942"/>
-            <a:ext cx="3371423" cy="1001836"/>
-          </a:xfrm>
-          <a:prstGeom prst="line">
-            <a:avLst/>
-          </a:prstGeom>
-          <a:ln/>
-        </p:spPr>
-        <p:style>
-          <a:lnRef idx="1">
-            <a:schemeClr val="dk1"/>
-          </a:lnRef>
-          <a:fillRef idx="0">
-            <a:schemeClr val="dk1"/>
-          </a:fillRef>
-          <a:effectRef idx="0">
-            <a:schemeClr val="dk1"/>
-          </a:effectRef>
-          <a:fontRef idx="minor">
-            <a:schemeClr val="tx1"/>
-          </a:fontRef>
-        </p:style>
-      </p:cxnSp>
-      <p:cxnSp>
-        <p:nvCxnSpPr>
-          <p:cNvPr id="12" name="Conector recto 11"/>
-          <p:cNvCxnSpPr/>
-          <p:nvPr/>
-        </p:nvCxnSpPr>
-        <p:spPr>
-          <a:xfrm>
-            <a:off x="6844388" y="8509696"/>
-            <a:ext cx="3414532" cy="2209104"/>
-          </a:xfrm>
-          <a:prstGeom prst="line">
-            <a:avLst/>
-          </a:prstGeom>
-          <a:ln/>
-        </p:spPr>
-        <p:style>
-          <a:lnRef idx="1">
-            <a:schemeClr val="dk1"/>
-          </a:lnRef>
-          <a:fillRef idx="0">
-            <a:schemeClr val="dk1"/>
-          </a:fillRef>
-          <a:effectRef idx="0">
-            <a:schemeClr val="dk1"/>
-          </a:effectRef>
-          <a:fontRef idx="minor">
-            <a:schemeClr val="tx1"/>
-          </a:fontRef>
-        </p:style>
-      </p:cxnSp>
-      <p:cxnSp>
-        <p:nvCxnSpPr>
-          <p:cNvPr id="13" name="Conector recto 12"/>
-          <p:cNvCxnSpPr/>
-          <p:nvPr/>
-        </p:nvCxnSpPr>
-        <p:spPr>
-          <a:xfrm>
-            <a:off x="7039897" y="9552493"/>
-            <a:ext cx="3219023" cy="3329858"/>
-          </a:xfrm>
-          <a:prstGeom prst="line">
-            <a:avLst/>
-          </a:prstGeom>
-          <a:ln/>
-        </p:spPr>
-        <p:style>
-          <a:lnRef idx="1">
-            <a:schemeClr val="dk1"/>
-          </a:lnRef>
-          <a:fillRef idx="0">
-            <a:schemeClr val="dk1"/>
-          </a:fillRef>
-          <a:effectRef idx="0">
-            <a:schemeClr val="dk1"/>
-          </a:effectRef>
-          <a:fontRef idx="minor">
-            <a:schemeClr val="tx1"/>
-          </a:fontRef>
-        </p:style>
-      </p:cxnSp>
-      <p:cxnSp>
-        <p:nvCxnSpPr>
-          <p:cNvPr id="20" name="Conector recto 19"/>
-          <p:cNvCxnSpPr/>
-          <p:nvPr/>
-        </p:nvCxnSpPr>
-        <p:spPr>
-          <a:xfrm flipV="1">
-            <a:off x="12831097" y="10474325"/>
-            <a:ext cx="1179871" cy="244475"/>
-          </a:xfrm>
-          <a:prstGeom prst="line">
-            <a:avLst/>
-          </a:prstGeom>
-          <a:ln/>
-        </p:spPr>
-        <p:style>
-          <a:lnRef idx="1">
-            <a:schemeClr val="dk1"/>
-          </a:lnRef>
-          <a:fillRef idx="0">
-            <a:schemeClr val="dk1"/>
-          </a:fillRef>
-          <a:effectRef idx="0">
-            <a:schemeClr val="dk1"/>
-          </a:effectRef>
-          <a:fontRef idx="minor">
-            <a:schemeClr val="tx1"/>
-          </a:fontRef>
-        </p:style>
-      </p:cxnSp>
-    </p:spTree>
-    <p:extLst>
-      <p:ext uri="{BB962C8B-B14F-4D97-AF65-F5344CB8AC3E}">
-        <p14:creationId xmlns:p14="http://schemas.microsoft.com/office/powerpoint/2010/main" val="206665497"/>
-      </p:ext>
-    </p:extLst>
-  </p:cSld>
-  <p:clrMapOvr>
-    <a:masterClrMapping/>
-  </p:clrMapOvr>
-  <p:transition spd="med"/>
-</p:sld>
-</file>
-
-<file path=ppt/slides/slide11.xml><?xml version="1.0" encoding="utf-8"?>
-<p:sld xmlns:a="http://schemas.openxmlformats.org/drawingml/2006/main" xmlns:r="http://schemas.openxmlformats.org/officeDocument/2006/relationships" xmlns:p="http://schemas.openxmlformats.org/presentationml/2006/main">
-  <p:cSld>
-    <p:bg>
-      <p:bgPr>
-        <a:blipFill rotWithShape="1">
-          <a:blip r:embed="rId2"/>
-          <a:stretch>
-            <a:fillRect/>
-          </a:stretch>
-        </a:blipFill>
-        <a:effectLst/>
-      </p:bgPr>
-    </p:bg>
-    <p:spTree>
-      <p:nvGrpSpPr>
-        <p:cNvPr id="1" name=""/>
-        <p:cNvGrpSpPr/>
-        <p:nvPr/>
-      </p:nvGrpSpPr>
-      <p:grpSpPr>
-        <a:xfrm>
-          <a:off x="0" y="0"/>
-          <a:ext cx="0" cy="0"/>
-          <a:chOff x="0" y="0"/>
-          <a:chExt cx="0" cy="0"/>
-        </a:xfrm>
-      </p:grpSpPr>
-    </p:spTree>
-    <p:extLst>
-      <p:ext uri="{BB962C8B-B14F-4D97-AF65-F5344CB8AC3E}">
-        <p14:creationId xmlns:p14="http://schemas.microsoft.com/office/powerpoint/2010/main" val="2432136026"/>
-      </p:ext>
-    </p:extLst>
-  </p:cSld>
-  <p:clrMapOvr>
-    <a:masterClrMapping/>
-  </p:clrMapOvr>
-  <p:transition spd="med"/>
-</p:sld>
-</file>
-
-<file path=ppt/slides/slide12.xml><?xml version="1.0" encoding="utf-8"?>
-<p:sld xmlns:a="http://schemas.openxmlformats.org/drawingml/2006/main" xmlns:r="http://schemas.openxmlformats.org/officeDocument/2006/relationships" xmlns:p="http://schemas.openxmlformats.org/presentationml/2006/main">
-  <p:cSld>
-    <p:bg>
-      <p:bgPr>
-        <a:blipFill rotWithShape="1">
-          <a:blip r:embed="rId2"/>
-          <a:stretch>
-            <a:fillRect/>
-          </a:stretch>
-        </a:blipFill>
-        <a:effectLst/>
-      </p:bgPr>
-    </p:bg>
-    <p:spTree>
-      <p:nvGrpSpPr>
-        <p:cNvPr id="1" name=""/>
-        <p:cNvGrpSpPr/>
-        <p:nvPr/>
-      </p:nvGrpSpPr>
-      <p:grpSpPr>
-        <a:xfrm>
-          <a:off x="0" y="0"/>
-          <a:ext cx="0" cy="0"/>
-          <a:chOff x="0" y="0"/>
-          <a:chExt cx="0" cy="0"/>
-        </a:xfrm>
-      </p:grpSpPr>
-      <p:sp>
-        <p:nvSpPr>
-          <p:cNvPr id="119" name="Título…"/>
-          <p:cNvSpPr txBox="1"/>
-          <p:nvPr/>
-        </p:nvSpPr>
-        <p:spPr>
-          <a:xfrm>
-            <a:off x="15050985" y="2814007"/>
-            <a:ext cx="6794600" cy="2235201"/>
-          </a:xfrm>
-          <a:prstGeom prst="rect">
-            <a:avLst/>
-          </a:prstGeom>
-          <a:ln w="12700">
-            <a:miter lim="400000"/>
-          </a:ln>
-          <a:extLst>
-            <a:ext uri="{C572A759-6A51-4108-AA02-DFA0A04FC94B}">
-              <ma14:wrappingTextBoxFlag xmlns:ma14="http://schemas.microsoft.com/office/mac/drawingml/2011/main" xmlns="" val="1"/>
-            </a:ext>
-          </a:extLst>
-        </p:spPr>
-        <p:txBody>
-          <a:bodyPr lIns="71437" tIns="71437" rIns="71437" bIns="71437" anchor="b">
-            <a:normAutofit/>
-          </a:bodyPr>
-          <a:lstStyle/>
-          <a:p>
-            <a:pPr marL="36575" marR="36575" indent="12191" algn="r" defTabSz="905510">
-              <a:lnSpc>
-                <a:spcPct val="80000"/>
-              </a:lnSpc>
-              <a:defRPr sz="8160">
-                <a:solidFill>
-                  <a:srgbClr val="434343"/>
-                </a:solidFill>
-                <a:latin typeface="Calibri"/>
-                <a:ea typeface="Calibri"/>
-                <a:cs typeface="Calibri"/>
-                <a:sym typeface="Calibri"/>
-              </a:defRPr>
-            </a:pPr>
-            <a:r>
-              <a:rPr dirty="0"/>
-              <a:t>Título </a:t>
-            </a:r>
-          </a:p>
-          <a:p>
-            <a:pPr marL="36575" marR="36575" indent="12191" algn="r" defTabSz="905510">
-              <a:lnSpc>
-                <a:spcPct val="80000"/>
-              </a:lnSpc>
-              <a:defRPr sz="8160">
-                <a:solidFill>
-                  <a:srgbClr val="434343"/>
-                </a:solidFill>
-                <a:latin typeface="Calibri"/>
-                <a:ea typeface="Calibri"/>
-                <a:cs typeface="Calibri"/>
-                <a:sym typeface="Calibri"/>
-              </a:defRPr>
-            </a:pPr>
-            <a:r>
-              <a:rPr dirty="0"/>
-              <a:t>Presentación</a:t>
-            </a:r>
-          </a:p>
-        </p:txBody>
-      </p:sp>
-      <p:sp>
-        <p:nvSpPr>
-          <p:cNvPr id="2" name="Rectángulo 1"/>
-          <p:cNvSpPr/>
-          <p:nvPr/>
-        </p:nvSpPr>
-        <p:spPr>
-          <a:xfrm>
-            <a:off x="17469134" y="11399586"/>
-            <a:ext cx="4376451" cy="1858628"/>
-          </a:xfrm>
-          <a:prstGeom prst="rect">
-            <a:avLst/>
-          </a:prstGeom>
-          <a:noFill/>
-          <a:ln w="12700" cap="flat">
-            <a:solidFill>
-              <a:schemeClr val="bg2"/>
-            </a:solidFill>
-            <a:miter lim="400000"/>
-          </a:ln>
-          <a:effectLst/>
-          <a:sp3d/>
-        </p:spPr>
-        <p:style>
-          <a:lnRef idx="0">
-            <a:scrgbClr r="0" g="0" b="0"/>
-          </a:lnRef>
-          <a:fillRef idx="0">
-            <a:scrgbClr r="0" g="0" b="0"/>
-          </a:fillRef>
-          <a:effectRef idx="0">
-            <a:scrgbClr r="0" g="0" b="0"/>
-          </a:effectRef>
-          <a:fontRef idx="none"/>
-        </p:style>
-        <p:txBody>
-          <a:bodyPr rot="0" spcFirstLastPara="1" vertOverflow="overflow" horzOverflow="overflow" vert="horz" wrap="square" lIns="71437" tIns="71437" rIns="71437" bIns="71437" numCol="1" spcCol="38100" rtlCol="0" anchor="ctr">
-            <a:spAutoFit/>
-          </a:bodyPr>
-          <a:lstStyle/>
-          <a:p>
-            <a:pPr marL="0" marR="0" indent="0" algn="ctr" defTabSz="943239" rtl="0" fontAlgn="auto" latinLnBrk="0" hangingPunct="0">
-              <a:lnSpc>
-                <a:spcPct val="100000"/>
-              </a:lnSpc>
-              <a:spcBef>
-                <a:spcPts val="0"/>
-              </a:spcBef>
-              <a:spcAft>
-                <a:spcPts val="0"/>
-              </a:spcAft>
-              <a:buClrTx/>
-              <a:buSzTx/>
-              <a:buFontTx/>
-              <a:buNone/>
-              <a:tabLst/>
-            </a:pPr>
-            <a:endParaRPr kumimoji="0" lang="es-ES" sz="3400" b="0" i="0" u="none" strike="noStrike" cap="none" spc="0" normalizeH="0" baseline="0">
-              <a:ln>
-                <a:noFill/>
-              </a:ln>
-              <a:solidFill>
-                <a:srgbClr val="FFFFFF"/>
-              </a:solidFill>
-              <a:effectLst/>
-              <a:uFillTx/>
-              <a:latin typeface="+mn-lt"/>
-              <a:ea typeface="+mn-ea"/>
-              <a:cs typeface="+mn-cs"/>
-              <a:sym typeface="Helvetica Neue Medium"/>
-            </a:endParaRPr>
-          </a:p>
-        </p:txBody>
-      </p:sp>
-      <p:sp>
-        <p:nvSpPr>
-          <p:cNvPr id="3" name="CuadroTexto 2"/>
-          <p:cNvSpPr txBox="1"/>
-          <p:nvPr/>
-        </p:nvSpPr>
-        <p:spPr>
-          <a:xfrm>
-            <a:off x="18016141" y="11988150"/>
-            <a:ext cx="3324625" cy="698267"/>
-          </a:xfrm>
-          <a:prstGeom prst="rect">
-            <a:avLst/>
-          </a:prstGeom>
-          <a:noFill/>
-          <a:ln w="12700" cap="flat">
-            <a:noFill/>
-            <a:miter lim="400000"/>
-          </a:ln>
-          <a:effectLst/>
-          <a:sp3d/>
-        </p:spPr>
-        <p:style>
-          <a:lnRef idx="0">
-            <a:scrgbClr r="0" g="0" b="0"/>
-          </a:lnRef>
-          <a:fillRef idx="0">
-            <a:scrgbClr r="0" g="0" b="0"/>
-          </a:fillRef>
-          <a:effectRef idx="0">
-            <a:scrgbClr r="0" g="0" b="0"/>
-          </a:effectRef>
-          <a:fontRef idx="none"/>
-        </p:style>
-        <p:txBody>
-          <a:bodyPr rot="0" spcFirstLastPara="1" vertOverflow="overflow" horzOverflow="overflow" vert="horz" wrap="none" lIns="71437" tIns="71437" rIns="71437" bIns="71437" numCol="1" spcCol="38100" rtlCol="0" anchor="ctr">
-            <a:spAutoFit/>
-          </a:bodyPr>
-          <a:lstStyle/>
-          <a:p>
-            <a:pPr marL="0" marR="0" indent="0" algn="ctr" defTabSz="943239" rtl="0" fontAlgn="auto" latinLnBrk="0" hangingPunct="0">
-              <a:lnSpc>
-                <a:spcPct val="100000"/>
-              </a:lnSpc>
-              <a:spcBef>
-                <a:spcPts val="0"/>
-              </a:spcBef>
-              <a:spcAft>
-                <a:spcPts val="0"/>
-              </a:spcAft>
-              <a:buClrTx/>
-              <a:buSzTx/>
-              <a:buFontTx/>
-              <a:buNone/>
-              <a:tabLst/>
-            </a:pPr>
-            <a:r>
-              <a:rPr kumimoji="0" lang="es-ES" sz="3600" b="1" i="0" u="none" strike="noStrike" cap="none" spc="0" normalizeH="0" baseline="0" dirty="0">
-                <a:ln>
-                  <a:noFill/>
-                </a:ln>
-                <a:solidFill>
-                  <a:schemeClr val="bg2"/>
-                </a:solidFill>
-                <a:effectLst/>
-                <a:uFillTx/>
-                <a:latin typeface="Helvetica Neue"/>
-                <a:ea typeface="Helvetica Neue"/>
-                <a:cs typeface="Helvetica Neue"/>
-                <a:sym typeface="Helvetica Neue"/>
-              </a:rPr>
-              <a:t>Marca externa</a:t>
-            </a:r>
-          </a:p>
-        </p:txBody>
-      </p:sp>
-    </p:spTree>
-    <p:extLst>
-      <p:ext uri="{BB962C8B-B14F-4D97-AF65-F5344CB8AC3E}">
-        <p14:creationId xmlns:p14="http://schemas.microsoft.com/office/powerpoint/2010/main" val="3282518053"/>
-      </p:ext>
-    </p:extLst>
-  </p:cSld>
-  <p:clrMapOvr>
-    <a:masterClrMapping/>
-  </p:clrMapOvr>
-  <p:transition spd="med"/>
-</p:sld>
-</file>
-
-<file path=ppt/slides/slide13.xml><?xml version="1.0" encoding="utf-8"?>
-<p:sld xmlns:a="http://schemas.openxmlformats.org/drawingml/2006/main" xmlns:r="http://schemas.openxmlformats.org/officeDocument/2006/relationships" xmlns:p="http://schemas.openxmlformats.org/presentationml/2006/main">
-  <p:cSld>
-    <p:bg>
-      <p:bgPr>
-        <a:solidFill>
-          <a:srgbClr val="FFFFFF"/>
-        </a:solidFill>
-        <a:effectLst/>
-      </p:bgPr>
-    </p:bg>
-    <p:spTree>
-      <p:nvGrpSpPr>
-        <p:cNvPr id="1" name=""/>
-        <p:cNvGrpSpPr/>
-        <p:nvPr/>
-      </p:nvGrpSpPr>
-      <p:grpSpPr>
-        <a:xfrm>
-          <a:off x="0" y="0"/>
-          <a:ext cx="0" cy="0"/>
-          <a:chOff x="0" y="0"/>
-          <a:chExt cx="0" cy="0"/>
-        </a:xfrm>
-      </p:grpSpPr>
-      <p:sp>
-        <p:nvSpPr>
-          <p:cNvPr id="131" name="Título"/>
-          <p:cNvSpPr txBox="1"/>
-          <p:nvPr/>
-        </p:nvSpPr>
-        <p:spPr>
-          <a:xfrm>
-            <a:off x="2152253" y="4121951"/>
-            <a:ext cx="5957094" cy="2290069"/>
-          </a:xfrm>
-          <a:prstGeom prst="rect">
-            <a:avLst/>
-          </a:prstGeom>
-          <a:ln w="12700">
-            <a:miter lim="400000"/>
-          </a:ln>
-          <a:extLst>
-            <a:ext uri="{C572A759-6A51-4108-AA02-DFA0A04FC94B}">
-              <ma14:wrappingTextBoxFlag xmlns:ma14="http://schemas.microsoft.com/office/mac/drawingml/2011/main" xmlns="" val="1"/>
-            </a:ext>
-          </a:extLst>
-        </p:spPr>
-        <p:txBody>
-          <a:bodyPr lIns="71437" tIns="71437" rIns="71437" bIns="71437" anchor="b">
-            <a:normAutofit/>
-          </a:bodyPr>
-          <a:lstStyle>
-            <a:lvl1pPr marL="38100" marR="38100" indent="12700">
-              <a:lnSpc>
-                <a:spcPct val="80000"/>
-              </a:lnSpc>
-              <a:spcBef>
-                <a:spcPts val="100"/>
-              </a:spcBef>
-              <a:defRPr sz="10000">
-                <a:solidFill>
-                  <a:srgbClr val="434343"/>
-                </a:solidFill>
-                <a:latin typeface="Calibri"/>
-                <a:ea typeface="Calibri"/>
-                <a:cs typeface="Calibri"/>
-                <a:sym typeface="Calibri"/>
-              </a:defRPr>
-            </a:lvl1pPr>
-          </a:lstStyle>
-          <a:p>
-            <a:r>
-              <a:t>Título </a:t>
-            </a:r>
-          </a:p>
-        </p:txBody>
-      </p:sp>
-      <p:sp>
-        <p:nvSpPr>
-          <p:cNvPr id="132" name="Rectángulo"/>
-          <p:cNvSpPr/>
-          <p:nvPr/>
-        </p:nvSpPr>
-        <p:spPr>
-          <a:xfrm>
-            <a:off x="3611879" y="6407287"/>
-            <a:ext cx="1033398" cy="98763"/>
-          </a:xfrm>
-          <a:prstGeom prst="rect">
-            <a:avLst/>
-          </a:prstGeom>
-          <a:solidFill>
-            <a:srgbClr val="FC672D"/>
-          </a:solidFill>
-          <a:ln w="12700">
-            <a:miter lim="400000"/>
-          </a:ln>
-        </p:spPr>
-        <p:txBody>
-          <a:bodyPr lIns="71437" tIns="71437" rIns="71437" bIns="71437" anchor="ctr"/>
-          <a:lstStyle/>
-          <a:p>
-            <a:pPr>
-              <a:defRPr sz="3400" b="0">
-                <a:latin typeface="+mn-lt"/>
-                <a:ea typeface="+mn-ea"/>
-                <a:cs typeface="+mn-cs"/>
-                <a:sym typeface="Helvetica Neue Medium"/>
-              </a:defRPr>
-            </a:pPr>
-            <a:endParaRPr/>
-          </a:p>
-        </p:txBody>
-      </p:sp>
-      <p:sp>
-        <p:nvSpPr>
-          <p:cNvPr id="2" name="CuadroTexto 1"/>
-          <p:cNvSpPr txBox="1"/>
-          <p:nvPr/>
-        </p:nvSpPr>
-        <p:spPr>
-          <a:xfrm>
-            <a:off x="3611879" y="7144229"/>
-            <a:ext cx="5446471" cy="5222583"/>
-          </a:xfrm>
-          <a:prstGeom prst="rect">
-            <a:avLst/>
-          </a:prstGeom>
-          <a:noFill/>
-          <a:ln w="12700" cap="flat">
-            <a:noFill/>
-            <a:miter lim="400000"/>
-          </a:ln>
-          <a:effectLst/>
-          <a:sp3d/>
-        </p:spPr>
-        <p:style>
-          <a:lnRef idx="0">
-            <a:scrgbClr r="0" g="0" b="0"/>
-          </a:lnRef>
-          <a:fillRef idx="0">
-            <a:scrgbClr r="0" g="0" b="0"/>
-          </a:fillRef>
-          <a:effectRef idx="0">
-            <a:scrgbClr r="0" g="0" b="0"/>
-          </a:effectRef>
-          <a:fontRef idx="none"/>
-        </p:style>
-        <p:txBody>
-          <a:bodyPr rot="0" spcFirstLastPara="1" vertOverflow="overflow" horzOverflow="overflow" vert="horz" wrap="square" lIns="71437" tIns="71437" rIns="71437" bIns="71437" numCol="1" spcCol="38100" rtlCol="0" anchor="ctr">
-            <a:spAutoFit/>
-          </a:bodyPr>
-          <a:lstStyle/>
-          <a:p>
-            <a:pPr marL="0" marR="0" indent="0" algn="just" defTabSz="943239" rtl="0" fontAlgn="auto" latinLnBrk="0" hangingPunct="0">
-              <a:lnSpc>
-                <a:spcPct val="100000"/>
-              </a:lnSpc>
-              <a:spcBef>
-                <a:spcPts val="0"/>
-              </a:spcBef>
-              <a:spcAft>
-                <a:spcPts val="0"/>
-              </a:spcAft>
-              <a:buClrTx/>
-              <a:buSzTx/>
-              <a:buFontTx/>
-              <a:buNone/>
-              <a:tabLst/>
-            </a:pPr>
-            <a:r>
-              <a:rPr kumimoji="0" lang="es-ES" sz="3300" b="0" i="0" u="none" strike="noStrike" cap="none" spc="0" normalizeH="0" baseline="0" dirty="0">
-                <a:ln>
-                  <a:noFill/>
-                </a:ln>
-                <a:solidFill>
-                  <a:schemeClr val="bg2"/>
-                </a:solidFill>
-                <a:effectLst/>
-                <a:uFillTx/>
-                <a:latin typeface="Calibir"/>
-                <a:ea typeface="Helvetica Neue"/>
-                <a:cs typeface="Calibir"/>
-                <a:sym typeface="Helvetica Neue"/>
-              </a:rPr>
-              <a:t>Textos en Calibri,</a:t>
-            </a:r>
-            <a:r>
-              <a:rPr kumimoji="0" lang="es-ES" sz="3300" b="0" i="0" u="none" strike="noStrike" cap="none" spc="0" normalizeH="0" dirty="0">
-                <a:ln>
-                  <a:noFill/>
-                </a:ln>
-                <a:solidFill>
-                  <a:schemeClr val="bg2"/>
-                </a:solidFill>
-                <a:effectLst/>
-                <a:uFillTx/>
-                <a:latin typeface="Calibir"/>
-                <a:ea typeface="Helvetica Neue"/>
-                <a:cs typeface="Calibir"/>
-                <a:sym typeface="Helvetica Neue"/>
-              </a:rPr>
-              <a:t> en gris oscuro. Puede reemplazar la imagen por una fotografía alusiva al tema que se está tratando. </a:t>
-            </a:r>
-            <a:r>
-              <a:rPr lang="es-ES" sz="3300" b="0" dirty="0">
-                <a:solidFill>
-                  <a:schemeClr val="bg2"/>
-                </a:solidFill>
-                <a:latin typeface="Calibir"/>
-                <a:cs typeface="Calibir"/>
-              </a:rPr>
-              <a:t>Al reemplazar la foto tenga cuidado de colocarlo debajo del logo del SENA, que debe ir en la esquina superior derecha en blanco.</a:t>
-            </a:r>
-            <a:r>
-              <a:rPr kumimoji="0" lang="es-ES" sz="3300" b="1" i="0" u="none" strike="noStrike" cap="none" spc="0" normalizeH="0" baseline="0" dirty="0">
-                <a:ln>
-                  <a:noFill/>
-                </a:ln>
-                <a:solidFill>
-                  <a:schemeClr val="bg2"/>
-                </a:solidFill>
-                <a:effectLst/>
-                <a:uFillTx/>
-                <a:latin typeface="Calibir"/>
-                <a:ea typeface="Helvetica Neue"/>
-                <a:cs typeface="Calibir"/>
-                <a:sym typeface="Helvetica Neue"/>
-              </a:rPr>
-              <a:t> </a:t>
-            </a:r>
-          </a:p>
-        </p:txBody>
-      </p:sp>
-      <p:pic>
-        <p:nvPicPr>
-          <p:cNvPr id="4" name="Imagen 3" descr="foto.png"/>
-          <p:cNvPicPr>
-            <a:picLocks noChangeAspect="1"/>
-          </p:cNvPicPr>
-          <p:nvPr/>
-        </p:nvPicPr>
-        <p:blipFill>
-          <a:blip r:embed="rId2">
-            <a:extLst>
-              <a:ext uri="{28A0092B-C50C-407E-A947-70E740481C1C}">
-                <a14:useLocalDpi xmlns:a14="http://schemas.microsoft.com/office/drawing/2010/main" val="0"/>
-              </a:ext>
-            </a:extLst>
-          </a:blip>
-          <a:stretch>
-            <a:fillRect/>
-          </a:stretch>
-        </p:blipFill>
-        <p:spPr>
-          <a:xfrm>
-            <a:off x="13015468" y="0"/>
-            <a:ext cx="11368532" cy="15748000"/>
-          </a:xfrm>
-          <a:prstGeom prst="rect">
-            <a:avLst/>
-          </a:prstGeom>
-        </p:spPr>
-      </p:pic>
-      <p:pic>
-        <p:nvPicPr>
-          <p:cNvPr id="10" name="Imagen 9"/>
-          <p:cNvPicPr>
-            <a:picLocks noChangeAspect="1"/>
-          </p:cNvPicPr>
-          <p:nvPr/>
-        </p:nvPicPr>
-        <p:blipFill>
-          <a:blip r:embed="rId3"/>
-          <a:stretch>
-            <a:fillRect/>
-          </a:stretch>
-        </p:blipFill>
-        <p:spPr>
-          <a:xfrm>
-            <a:off x="22023636" y="891645"/>
-            <a:ext cx="1397000" cy="1371600"/>
-          </a:xfrm>
-          <a:prstGeom prst="rect">
-            <a:avLst/>
-          </a:prstGeom>
-        </p:spPr>
-      </p:pic>
-      <p:sp>
-        <p:nvSpPr>
-          <p:cNvPr id="7" name="CuadroTexto 6"/>
-          <p:cNvSpPr txBox="1"/>
-          <p:nvPr/>
-        </p:nvSpPr>
-        <p:spPr>
-          <a:xfrm>
-            <a:off x="20471862" y="13853483"/>
-            <a:ext cx="2617880" cy="575156"/>
-          </a:xfrm>
-          <a:prstGeom prst="rect">
-            <a:avLst/>
-          </a:prstGeom>
-          <a:noFill/>
-          <a:ln w="12700" cap="flat">
-            <a:noFill/>
-            <a:miter lim="400000"/>
-          </a:ln>
-          <a:effectLst/>
-          <a:sp3d/>
-        </p:spPr>
-        <p:style>
-          <a:lnRef idx="0">
-            <a:scrgbClr r="0" g="0" b="0"/>
-          </a:lnRef>
-          <a:fillRef idx="0">
-            <a:scrgbClr r="0" g="0" b="0"/>
-          </a:fillRef>
-          <a:effectRef idx="0">
-            <a:scrgbClr r="0" g="0" b="0"/>
-          </a:effectRef>
-          <a:fontRef idx="none"/>
-        </p:style>
-        <p:txBody>
-          <a:bodyPr rot="0" spcFirstLastPara="1" vertOverflow="overflow" horzOverflow="overflow" vert="horz" wrap="none" lIns="71437" tIns="71437" rIns="71437" bIns="71437" numCol="1" spcCol="38100" rtlCol="0" anchor="ctr">
-            <a:spAutoFit/>
-          </a:bodyPr>
-          <a:lstStyle/>
-          <a:p>
-            <a:pPr marL="0" marR="0" indent="0" algn="ctr" defTabSz="943239" rtl="0" fontAlgn="auto" latinLnBrk="0" hangingPunct="0">
-              <a:lnSpc>
-                <a:spcPct val="100000"/>
-              </a:lnSpc>
-              <a:spcBef>
-                <a:spcPts val="0"/>
-              </a:spcBef>
-              <a:spcAft>
-                <a:spcPts val="0"/>
-              </a:spcAft>
-              <a:buClrTx/>
-              <a:buSzTx/>
-              <a:buFontTx/>
-              <a:buNone/>
-              <a:tabLst/>
-            </a:pPr>
-            <a:r>
-              <a:rPr kumimoji="0" lang="es-ES" sz="2800" b="1" i="0" u="none" strike="noStrike" cap="none" spc="0" normalizeH="0" baseline="0" dirty="0">
-                <a:ln>
-                  <a:noFill/>
-                </a:ln>
-                <a:solidFill>
-                  <a:schemeClr val="bg2"/>
-                </a:solidFill>
-                <a:effectLst/>
-                <a:uFillTx/>
-                <a:latin typeface="Helvetica Neue"/>
-                <a:ea typeface="Helvetica Neue"/>
-                <a:cs typeface="Helvetica Neue"/>
-                <a:sym typeface="Helvetica Neue"/>
-              </a:rPr>
-              <a:t>Marca externa</a:t>
-            </a:r>
-          </a:p>
-        </p:txBody>
-      </p:sp>
-      <p:sp>
-        <p:nvSpPr>
-          <p:cNvPr id="8" name="Rectángulo 7"/>
-          <p:cNvSpPr/>
-          <p:nvPr/>
-        </p:nvSpPr>
-        <p:spPr>
-          <a:xfrm>
-            <a:off x="20232119" y="13413099"/>
-            <a:ext cx="3097366" cy="1455925"/>
-          </a:xfrm>
-          <a:prstGeom prst="rect">
-            <a:avLst/>
-          </a:prstGeom>
-          <a:noFill/>
-          <a:ln w="12700" cap="flat">
-            <a:solidFill>
-              <a:schemeClr val="bg2"/>
-            </a:solidFill>
-            <a:miter lim="400000"/>
-          </a:ln>
-          <a:effectLst/>
-          <a:sp3d/>
-        </p:spPr>
-        <p:style>
-          <a:lnRef idx="0">
-            <a:scrgbClr r="0" g="0" b="0"/>
-          </a:lnRef>
-          <a:fillRef idx="0">
-            <a:scrgbClr r="0" g="0" b="0"/>
-          </a:fillRef>
-          <a:effectRef idx="0">
-            <a:scrgbClr r="0" g="0" b="0"/>
-          </a:effectRef>
-          <a:fontRef idx="none"/>
-        </p:style>
-        <p:txBody>
-          <a:bodyPr rot="0" spcFirstLastPara="1" vertOverflow="overflow" horzOverflow="overflow" vert="horz" wrap="square" lIns="71437" tIns="71437" rIns="71437" bIns="71437" numCol="1" spcCol="38100" rtlCol="0" anchor="ctr">
-            <a:spAutoFit/>
-          </a:bodyPr>
-          <a:lstStyle/>
-          <a:p>
-            <a:pPr marL="0" marR="0" indent="0" algn="ctr" defTabSz="943239" rtl="0" fontAlgn="auto" latinLnBrk="0" hangingPunct="0">
-              <a:lnSpc>
-                <a:spcPct val="100000"/>
-              </a:lnSpc>
-              <a:spcBef>
-                <a:spcPts val="0"/>
-              </a:spcBef>
-              <a:spcAft>
-                <a:spcPts val="0"/>
-              </a:spcAft>
-              <a:buClrTx/>
-              <a:buSzTx/>
-              <a:buFontTx/>
-              <a:buNone/>
-              <a:tabLst/>
-            </a:pPr>
-            <a:endParaRPr kumimoji="0" lang="es-ES" sz="3400" b="0" i="0" u="none" strike="noStrike" cap="none" spc="0" normalizeH="0" baseline="0">
-              <a:ln>
-                <a:noFill/>
-              </a:ln>
-              <a:solidFill>
-                <a:srgbClr val="FFFFFF"/>
-              </a:solidFill>
-              <a:effectLst/>
-              <a:uFillTx/>
-              <a:latin typeface="+mn-lt"/>
-              <a:ea typeface="+mn-ea"/>
-              <a:cs typeface="+mn-cs"/>
-              <a:sym typeface="Helvetica Neue Medium"/>
-            </a:endParaRPr>
-          </a:p>
-        </p:txBody>
-      </p:sp>
-    </p:spTree>
-    <p:extLst>
-      <p:ext uri="{BB962C8B-B14F-4D97-AF65-F5344CB8AC3E}">
-        <p14:creationId xmlns:p14="http://schemas.microsoft.com/office/powerpoint/2010/main" val="1066720265"/>
-      </p:ext>
-    </p:extLst>
-  </p:cSld>
-  <p:clrMapOvr>
-    <a:masterClrMapping/>
-  </p:clrMapOvr>
-  <p:transition spd="med"/>
-</p:sld>
-</file>
-
-<file path=ppt/slides/slide14.xml><?xml version="1.0" encoding="utf-8"?>
-<p:sld xmlns:a="http://schemas.openxmlformats.org/drawingml/2006/main" xmlns:r="http://schemas.openxmlformats.org/officeDocument/2006/relationships" xmlns:p="http://schemas.openxmlformats.org/presentationml/2006/main">
-  <p:cSld>
-    <p:bg>
-      <p:bgPr>
-        <a:blipFill rotWithShape="1">
-          <a:blip r:embed="rId2"/>
-          <a:stretch>
-            <a:fillRect/>
-          </a:stretch>
-        </a:blipFill>
-        <a:effectLst/>
-      </p:bgPr>
-    </p:bg>
-    <p:spTree>
-      <p:nvGrpSpPr>
-        <p:cNvPr id="1" name=""/>
-        <p:cNvGrpSpPr/>
-        <p:nvPr/>
-      </p:nvGrpSpPr>
-      <p:grpSpPr>
-        <a:xfrm>
-          <a:off x="0" y="0"/>
-          <a:ext cx="0" cy="0"/>
-          <a:chOff x="0" y="0"/>
-          <a:chExt cx="0" cy="0"/>
-        </a:xfrm>
-      </p:grpSpPr>
-      <p:sp>
-        <p:nvSpPr>
-          <p:cNvPr id="137" name="Título"/>
-          <p:cNvSpPr txBox="1"/>
-          <p:nvPr/>
-        </p:nvSpPr>
-        <p:spPr>
-          <a:xfrm>
-            <a:off x="232441" y="-114513"/>
-            <a:ext cx="5957094" cy="2290069"/>
-          </a:xfrm>
-          <a:prstGeom prst="rect">
-            <a:avLst/>
-          </a:prstGeom>
-          <a:ln w="12700">
-            <a:miter lim="400000"/>
-          </a:ln>
-          <a:extLst>
-            <a:ext uri="{C572A759-6A51-4108-AA02-DFA0A04FC94B}">
-              <ma14:wrappingTextBoxFlag xmlns:ma14="http://schemas.microsoft.com/office/mac/drawingml/2011/main" xmlns="" val="1"/>
-            </a:ext>
-          </a:extLst>
-        </p:spPr>
-        <p:txBody>
-          <a:bodyPr lIns="71437" tIns="71437" rIns="71437" bIns="71437" anchor="b">
-            <a:normAutofit/>
-          </a:bodyPr>
-          <a:lstStyle>
-            <a:lvl1pPr marL="38100" marR="38100" indent="12700">
-              <a:lnSpc>
-                <a:spcPct val="80000"/>
-              </a:lnSpc>
-              <a:spcBef>
-                <a:spcPts val="100"/>
-              </a:spcBef>
-              <a:defRPr sz="10000">
-                <a:latin typeface="Calibri"/>
-                <a:ea typeface="Calibri"/>
-                <a:cs typeface="Calibri"/>
-                <a:sym typeface="Calibri"/>
-              </a:defRPr>
-            </a:lvl1pPr>
-          </a:lstStyle>
-          <a:p>
-            <a:r>
-              <a:rPr dirty="0"/>
-              <a:t>Título </a:t>
-            </a:r>
-          </a:p>
-        </p:txBody>
-      </p:sp>
-      <p:sp>
-        <p:nvSpPr>
-          <p:cNvPr id="138" name="Rectángulo"/>
-          <p:cNvSpPr/>
-          <p:nvPr/>
-        </p:nvSpPr>
-        <p:spPr>
-          <a:xfrm>
-            <a:off x="1692067" y="2170823"/>
-            <a:ext cx="1033398" cy="98763"/>
-          </a:xfrm>
-          <a:prstGeom prst="rect">
-            <a:avLst/>
-          </a:prstGeom>
-          <a:solidFill>
-            <a:srgbClr val="FFFFFF"/>
-          </a:solidFill>
-          <a:ln w="12700">
-            <a:miter lim="400000"/>
-          </a:ln>
-        </p:spPr>
-        <p:txBody>
-          <a:bodyPr lIns="71437" tIns="71437" rIns="71437" bIns="71437" anchor="ctr"/>
-          <a:lstStyle/>
-          <a:p>
-            <a:pPr>
-              <a:defRPr sz="3400" b="0">
-                <a:latin typeface="+mn-lt"/>
-                <a:ea typeface="+mn-ea"/>
-                <a:cs typeface="+mn-cs"/>
-                <a:sym typeface="Helvetica Neue Medium"/>
-              </a:defRPr>
-            </a:pPr>
-            <a:endParaRPr/>
-          </a:p>
-        </p:txBody>
-      </p:sp>
-      <p:sp>
-        <p:nvSpPr>
-          <p:cNvPr id="4" name="CuadroTexto 3"/>
-          <p:cNvSpPr txBox="1"/>
-          <p:nvPr/>
-        </p:nvSpPr>
-        <p:spPr>
-          <a:xfrm>
-            <a:off x="20471862" y="13853483"/>
-            <a:ext cx="2617880" cy="575156"/>
-          </a:xfrm>
-          <a:prstGeom prst="rect">
-            <a:avLst/>
-          </a:prstGeom>
-          <a:noFill/>
-          <a:ln w="12700" cap="flat">
-            <a:noFill/>
-            <a:miter lim="400000"/>
-          </a:ln>
-          <a:effectLst/>
-          <a:sp3d/>
-        </p:spPr>
-        <p:style>
-          <a:lnRef idx="0">
-            <a:scrgbClr r="0" g="0" b="0"/>
-          </a:lnRef>
-          <a:fillRef idx="0">
-            <a:scrgbClr r="0" g="0" b="0"/>
-          </a:fillRef>
-          <a:effectRef idx="0">
-            <a:scrgbClr r="0" g="0" b="0"/>
-          </a:effectRef>
-          <a:fontRef idx="none"/>
-        </p:style>
-        <p:txBody>
-          <a:bodyPr rot="0" spcFirstLastPara="1" vertOverflow="overflow" horzOverflow="overflow" vert="horz" wrap="none" lIns="71437" tIns="71437" rIns="71437" bIns="71437" numCol="1" spcCol="38100" rtlCol="0" anchor="ctr">
-            <a:spAutoFit/>
-          </a:bodyPr>
-          <a:lstStyle/>
-          <a:p>
-            <a:pPr marL="0" marR="0" indent="0" algn="ctr" defTabSz="943239" rtl="0" fontAlgn="auto" latinLnBrk="0" hangingPunct="0">
-              <a:lnSpc>
-                <a:spcPct val="100000"/>
-              </a:lnSpc>
-              <a:spcBef>
-                <a:spcPts val="0"/>
-              </a:spcBef>
-              <a:spcAft>
-                <a:spcPts val="0"/>
-              </a:spcAft>
-              <a:buClrTx/>
-              <a:buSzTx/>
-              <a:buFontTx/>
-              <a:buNone/>
-              <a:tabLst/>
-            </a:pPr>
-            <a:r>
-              <a:rPr kumimoji="0" lang="es-ES" sz="2800" b="1" i="0" u="none" strike="noStrike" cap="none" spc="0" normalizeH="0" baseline="0" dirty="0">
-                <a:ln>
-                  <a:noFill/>
-                </a:ln>
-                <a:solidFill>
-                  <a:schemeClr val="bg2"/>
-                </a:solidFill>
-                <a:effectLst/>
-                <a:uFillTx/>
-                <a:latin typeface="Helvetica Neue"/>
-                <a:ea typeface="Helvetica Neue"/>
-                <a:cs typeface="Helvetica Neue"/>
-                <a:sym typeface="Helvetica Neue"/>
-              </a:rPr>
-              <a:t>Marca externa</a:t>
-            </a:r>
-          </a:p>
-        </p:txBody>
-      </p:sp>
-      <p:sp>
-        <p:nvSpPr>
-          <p:cNvPr id="5" name="Rectángulo 4"/>
-          <p:cNvSpPr/>
-          <p:nvPr/>
-        </p:nvSpPr>
-        <p:spPr>
-          <a:xfrm>
-            <a:off x="20232119" y="13413099"/>
-            <a:ext cx="3097366" cy="1455925"/>
-          </a:xfrm>
-          <a:prstGeom prst="rect">
-            <a:avLst/>
-          </a:prstGeom>
-          <a:noFill/>
-          <a:ln w="12700" cap="flat">
-            <a:solidFill>
-              <a:schemeClr val="bg2"/>
-            </a:solidFill>
-            <a:miter lim="400000"/>
-          </a:ln>
-          <a:effectLst/>
-          <a:sp3d/>
-        </p:spPr>
-        <p:style>
-          <a:lnRef idx="0">
-            <a:scrgbClr r="0" g="0" b="0"/>
-          </a:lnRef>
-          <a:fillRef idx="0">
-            <a:scrgbClr r="0" g="0" b="0"/>
-          </a:fillRef>
-          <a:effectRef idx="0">
-            <a:scrgbClr r="0" g="0" b="0"/>
-          </a:effectRef>
-          <a:fontRef idx="none"/>
-        </p:style>
-        <p:txBody>
-          <a:bodyPr rot="0" spcFirstLastPara="1" vertOverflow="overflow" horzOverflow="overflow" vert="horz" wrap="square" lIns="71437" tIns="71437" rIns="71437" bIns="71437" numCol="1" spcCol="38100" rtlCol="0" anchor="ctr">
-            <a:spAutoFit/>
-          </a:bodyPr>
-          <a:lstStyle/>
-          <a:p>
-            <a:pPr marL="0" marR="0" indent="0" algn="ctr" defTabSz="943239" rtl="0" fontAlgn="auto" latinLnBrk="0" hangingPunct="0">
-              <a:lnSpc>
-                <a:spcPct val="100000"/>
-              </a:lnSpc>
-              <a:spcBef>
-                <a:spcPts val="0"/>
-              </a:spcBef>
-              <a:spcAft>
-                <a:spcPts val="0"/>
-              </a:spcAft>
-              <a:buClrTx/>
-              <a:buSzTx/>
-              <a:buFontTx/>
-              <a:buNone/>
-              <a:tabLst/>
-            </a:pPr>
-            <a:endParaRPr kumimoji="0" lang="es-ES" sz="3400" b="0" i="0" u="none" strike="noStrike" cap="none" spc="0" normalizeH="0" baseline="0">
-              <a:ln>
-                <a:noFill/>
-              </a:ln>
-              <a:solidFill>
-                <a:srgbClr val="FFFFFF"/>
-              </a:solidFill>
-              <a:effectLst/>
-              <a:uFillTx/>
-              <a:latin typeface="+mn-lt"/>
-              <a:ea typeface="+mn-ea"/>
-              <a:cs typeface="+mn-cs"/>
-              <a:sym typeface="Helvetica Neue Medium"/>
-            </a:endParaRPr>
-          </a:p>
-        </p:txBody>
-      </p:sp>
-      <p:sp>
-        <p:nvSpPr>
-          <p:cNvPr id="6" name="Título"/>
-          <p:cNvSpPr txBox="1"/>
-          <p:nvPr/>
-        </p:nvSpPr>
-        <p:spPr>
-          <a:xfrm>
-            <a:off x="5585765" y="6855423"/>
-            <a:ext cx="13212471" cy="2037155"/>
-          </a:xfrm>
-          <a:prstGeom prst="rect">
-            <a:avLst/>
-          </a:prstGeom>
-          <a:ln w="12700">
-            <a:miter lim="400000"/>
-          </a:ln>
-          <a:extLst>
-            <a:ext uri="{C572A759-6A51-4108-AA02-DFA0A04FC94B}">
-              <ma14:wrappingTextBoxFlag xmlns:ma14="http://schemas.microsoft.com/office/mac/drawingml/2011/main" xmlns="" val="1"/>
-            </a:ext>
-          </a:extLst>
-        </p:spPr>
-        <p:txBody>
-          <a:bodyPr lIns="71437" tIns="71437" rIns="71437" bIns="71437" anchor="b">
-            <a:noAutofit/>
-          </a:bodyPr>
-          <a:lstStyle>
-            <a:lvl1pPr marL="28955" marR="28955" indent="9651" defTabSz="716862">
-              <a:lnSpc>
-                <a:spcPct val="80000"/>
-              </a:lnSpc>
-              <a:defRPr sz="16796">
-                <a:solidFill>
-                  <a:srgbClr val="434343"/>
-                </a:solidFill>
-                <a:latin typeface="Calibri"/>
-                <a:ea typeface="Calibri"/>
-                <a:cs typeface="Calibri"/>
-                <a:sym typeface="Calibri"/>
-              </a:defRPr>
-            </a:lvl1pPr>
-          </a:lstStyle>
-          <a:p>
-            <a:pPr>
-              <a:lnSpc>
-                <a:spcPct val="120000"/>
-              </a:lnSpc>
-            </a:pPr>
-            <a:r>
-              <a:rPr lang="es-ES_tradnl" sz="5400" dirty="0"/>
-              <a:t>El tamaño del logo de la marca externa no debe superar el tamaño del logo SENA.</a:t>
-            </a:r>
-            <a:endParaRPr sz="5400" dirty="0"/>
-          </a:p>
-        </p:txBody>
-      </p:sp>
-    </p:spTree>
-    <p:extLst>
-      <p:ext uri="{BB962C8B-B14F-4D97-AF65-F5344CB8AC3E}">
-        <p14:creationId xmlns:p14="http://schemas.microsoft.com/office/powerpoint/2010/main" val="2543513112"/>
-      </p:ext>
-    </p:extLst>
-  </p:cSld>
-  <p:clrMapOvr>
-    <a:masterClrMapping/>
-  </p:clrMapOvr>
-  <p:transition spd="med"/>
-</p:sld>
-</file>
-
-<file path=ppt/slides/slide15.xml><?xml version="1.0" encoding="utf-8"?>
-<p:sld xmlns:a="http://schemas.openxmlformats.org/drawingml/2006/main" xmlns:r="http://schemas.openxmlformats.org/officeDocument/2006/relationships" xmlns:p="http://schemas.openxmlformats.org/presentationml/2006/main">
-  <p:cSld>
-    <p:bg>
-      <p:bgPr>
-        <a:blipFill rotWithShape="1">
-          <a:blip r:embed="rId2"/>
-          <a:stretch>
-            <a:fillRect/>
-          </a:stretch>
-        </a:blipFill>
-        <a:effectLst/>
-      </p:bgPr>
-    </p:bg>
-    <p:spTree>
-      <p:nvGrpSpPr>
-        <p:cNvPr id="1" name=""/>
-        <p:cNvGrpSpPr/>
-        <p:nvPr/>
-      </p:nvGrpSpPr>
-      <p:grpSpPr>
-        <a:xfrm>
-          <a:off x="0" y="0"/>
-          <a:ext cx="0" cy="0"/>
-          <a:chOff x="0" y="0"/>
-          <a:chExt cx="0" cy="0"/>
-        </a:xfrm>
-      </p:grpSpPr>
-      <p:sp>
-        <p:nvSpPr>
-          <p:cNvPr id="144" name="Texto corto descriptivo a…"/>
-          <p:cNvSpPr txBox="1"/>
-          <p:nvPr/>
-        </p:nvSpPr>
-        <p:spPr>
-          <a:xfrm>
-            <a:off x="2579596" y="6472442"/>
-            <a:ext cx="8601888" cy="2803117"/>
-          </a:xfrm>
-          <a:prstGeom prst="rect">
-            <a:avLst/>
-          </a:prstGeom>
-          <a:ln w="12700">
-            <a:miter lim="400000"/>
-          </a:ln>
-          <a:extLst>
-            <a:ext uri="{C572A759-6A51-4108-AA02-DFA0A04FC94B}">
-              <ma14:wrappingTextBoxFlag xmlns:ma14="http://schemas.microsoft.com/office/mac/drawingml/2011/main" xmlns="" val="1"/>
-            </a:ext>
-          </a:extLst>
-        </p:spPr>
-        <p:txBody>
-          <a:bodyPr wrap="square" lIns="71437" tIns="71437" rIns="71437" bIns="71437" anchor="ctr">
-            <a:spAutoFit/>
-          </a:bodyPr>
-          <a:lstStyle/>
-          <a:p>
-            <a:pPr algn="just">
-              <a:lnSpc>
-                <a:spcPts val="5200"/>
-              </a:lnSpc>
-              <a:defRPr sz="4000"/>
-            </a:pPr>
-            <a:r>
-              <a:rPr lang="es-ES_tradnl" sz="4800" b="0" dirty="0">
-                <a:latin typeface="Calibri"/>
-                <a:ea typeface="Calibri"/>
-                <a:cs typeface="Calibri"/>
-                <a:sym typeface="Calibri"/>
-              </a:rPr>
-              <a:t>Para las diapositivas con fondo de color naranja, es recomendable colocar la versión blanca del logo de la marca externa.</a:t>
-            </a:r>
-          </a:p>
-        </p:txBody>
-      </p:sp>
-      <p:sp>
-        <p:nvSpPr>
-          <p:cNvPr id="5" name="CuadroTexto 4"/>
-          <p:cNvSpPr txBox="1"/>
-          <p:nvPr/>
-        </p:nvSpPr>
-        <p:spPr>
-          <a:xfrm>
-            <a:off x="20471862" y="13853483"/>
-            <a:ext cx="2617880" cy="575156"/>
-          </a:xfrm>
-          <a:prstGeom prst="rect">
-            <a:avLst/>
-          </a:prstGeom>
-          <a:noFill/>
-          <a:ln w="12700" cap="flat">
-            <a:noFill/>
-            <a:miter lim="400000"/>
-          </a:ln>
-          <a:effectLst/>
-          <a:sp3d/>
-        </p:spPr>
-        <p:style>
-          <a:lnRef idx="0">
-            <a:scrgbClr r="0" g="0" b="0"/>
-          </a:lnRef>
-          <a:fillRef idx="0">
-            <a:scrgbClr r="0" g="0" b="0"/>
-          </a:fillRef>
-          <a:effectRef idx="0">
-            <a:scrgbClr r="0" g="0" b="0"/>
-          </a:effectRef>
-          <a:fontRef idx="none"/>
-        </p:style>
-        <p:txBody>
-          <a:bodyPr rot="0" spcFirstLastPara="1" vertOverflow="overflow" horzOverflow="overflow" vert="horz" wrap="none" lIns="71437" tIns="71437" rIns="71437" bIns="71437" numCol="1" spcCol="38100" rtlCol="0" anchor="ctr">
-            <a:spAutoFit/>
-          </a:bodyPr>
-          <a:lstStyle/>
-          <a:p>
-            <a:pPr marL="0" marR="0" indent="0" algn="ctr" defTabSz="943239" rtl="0" fontAlgn="auto" latinLnBrk="0" hangingPunct="0">
-              <a:lnSpc>
-                <a:spcPct val="100000"/>
-              </a:lnSpc>
-              <a:spcBef>
-                <a:spcPts val="0"/>
-              </a:spcBef>
-              <a:spcAft>
-                <a:spcPts val="0"/>
-              </a:spcAft>
-              <a:buClrTx/>
-              <a:buSzTx/>
-              <a:buFontTx/>
-              <a:buNone/>
-              <a:tabLst/>
-            </a:pPr>
-            <a:r>
-              <a:rPr kumimoji="0" lang="es-ES" sz="2800" b="1" i="0" u="none" strike="noStrike" cap="none" spc="0" normalizeH="0" baseline="0" dirty="0">
-                <a:ln>
-                  <a:noFill/>
-                </a:ln>
-                <a:effectLst/>
-                <a:uFillTx/>
-                <a:latin typeface="Helvetica Neue"/>
-                <a:ea typeface="Helvetica Neue"/>
-                <a:cs typeface="Helvetica Neue"/>
-                <a:sym typeface="Helvetica Neue"/>
-              </a:rPr>
-              <a:t>Marca externa</a:t>
-            </a:r>
-          </a:p>
-        </p:txBody>
-      </p:sp>
-      <p:sp>
-        <p:nvSpPr>
-          <p:cNvPr id="6" name="Rectángulo 5"/>
-          <p:cNvSpPr/>
-          <p:nvPr/>
-        </p:nvSpPr>
-        <p:spPr>
-          <a:xfrm>
-            <a:off x="20232119" y="13413099"/>
-            <a:ext cx="3097366" cy="1455925"/>
-          </a:xfrm>
-          <a:prstGeom prst="rect">
-            <a:avLst/>
-          </a:prstGeom>
-          <a:noFill/>
-          <a:ln w="12700" cap="flat">
-            <a:solidFill>
-              <a:schemeClr val="tx1"/>
-            </a:solidFill>
-            <a:miter lim="400000"/>
-          </a:ln>
-          <a:effectLst/>
-          <a:sp3d/>
-        </p:spPr>
-        <p:style>
-          <a:lnRef idx="0">
-            <a:scrgbClr r="0" g="0" b="0"/>
-          </a:lnRef>
-          <a:fillRef idx="0">
-            <a:scrgbClr r="0" g="0" b="0"/>
-          </a:fillRef>
-          <a:effectRef idx="0">
-            <a:scrgbClr r="0" g="0" b="0"/>
-          </a:effectRef>
-          <a:fontRef idx="none"/>
-        </p:style>
-        <p:txBody>
-          <a:bodyPr rot="0" spcFirstLastPara="1" vertOverflow="overflow" horzOverflow="overflow" vert="horz" wrap="square" lIns="71437" tIns="71437" rIns="71437" bIns="71437" numCol="1" spcCol="38100" rtlCol="0" anchor="ctr">
-            <a:spAutoFit/>
-          </a:bodyPr>
-          <a:lstStyle/>
-          <a:p>
-            <a:pPr marL="0" marR="0" indent="0" algn="ctr" defTabSz="943239" rtl="0" fontAlgn="auto" latinLnBrk="0" hangingPunct="0">
-              <a:lnSpc>
-                <a:spcPct val="100000"/>
-              </a:lnSpc>
-              <a:spcBef>
-                <a:spcPts val="0"/>
-              </a:spcBef>
-              <a:spcAft>
-                <a:spcPts val="0"/>
-              </a:spcAft>
-              <a:buClrTx/>
-              <a:buSzTx/>
-              <a:buFontTx/>
-              <a:buNone/>
-              <a:tabLst/>
-            </a:pPr>
-            <a:endParaRPr kumimoji="0" lang="es-ES" sz="3400" b="0" i="0" u="none" strike="noStrike" cap="none" spc="0" normalizeH="0" baseline="0">
-              <a:ln>
-                <a:noFill/>
-              </a:ln>
-              <a:solidFill>
-                <a:srgbClr val="FFFFFF"/>
-              </a:solidFill>
-              <a:effectLst/>
-              <a:uFillTx/>
-              <a:latin typeface="+mn-lt"/>
-              <a:ea typeface="+mn-ea"/>
-              <a:cs typeface="+mn-cs"/>
-              <a:sym typeface="Helvetica Neue Medium"/>
-            </a:endParaRPr>
-          </a:p>
-        </p:txBody>
-      </p:sp>
-    </p:spTree>
-    <p:extLst>
-      <p:ext uri="{BB962C8B-B14F-4D97-AF65-F5344CB8AC3E}">
-        <p14:creationId xmlns:p14="http://schemas.microsoft.com/office/powerpoint/2010/main" val="30878714"/>
-      </p:ext>
-    </p:extLst>
-  </p:cSld>
-  <p:clrMapOvr>
-    <a:masterClrMapping/>
-  </p:clrMapOvr>
-  <p:transition spd="med"/>
-</p:sld>
-</file>
-
 <file path=ppt/slides/slide2.xml><?xml version="1.0" encoding="utf-8"?>
 <p:sld xmlns:a="http://schemas.openxmlformats.org/drawingml/2006/main" xmlns:r="http://schemas.openxmlformats.org/officeDocument/2006/relationships" xmlns:p="http://schemas.openxmlformats.org/presentationml/2006/main">
   <p:cSld>
@@ -5257,7 +3420,7 @@
         </p:spPr>
         <p:txBody>
           <a:bodyPr lIns="71437" tIns="71437" rIns="71437" bIns="71437" anchor="b">
-            <a:normAutofit fontScale="70000" lnSpcReduction="20000"/>
+            <a:normAutofit fontScale="62500" lnSpcReduction="20000"/>
           </a:bodyPr>
           <a:lstStyle>
             <a:lvl1pPr marL="28955" marR="28955" indent="9651" defTabSz="716862">
@@ -5277,8 +3440,8 @@
           </a:lstStyle>
           <a:p>
             <a:r>
-              <a:rPr lang="es-CO" dirty="0" err="1" smtClean="0"/>
-              <a:t>Problem</a:t>
+              <a:rPr lang="es-CO" dirty="0" smtClean="0"/>
+              <a:t>Problema</a:t>
             </a:r>
             <a:r>
               <a:rPr dirty="0" smtClean="0"/>
@@ -5333,8 +3496,8 @@
         </p:nvSpPr>
         <p:spPr>
           <a:xfrm>
-            <a:off x="4370948" y="8148950"/>
-            <a:ext cx="16512768" cy="2760370"/>
+            <a:off x="4370948" y="8172323"/>
+            <a:ext cx="16512768" cy="2713627"/>
           </a:xfrm>
           <a:prstGeom prst="rect">
             <a:avLst/>
@@ -5361,17 +3524,6 @@
               <a:defRPr sz="4000"/>
             </a:pPr>
             <a:r>
-              <a:rPr lang="es-CO" b="0" dirty="0" err="1" smtClean="0">
-                <a:solidFill>
-                  <a:schemeClr val="bg1">
-                    <a:lumMod val="75000"/>
-                    <a:lumOff val="25000"/>
-                  </a:schemeClr>
-                </a:solidFill>
-              </a:rPr>
-              <a:t>The</a:t>
-            </a:r>
-            <a:r>
               <a:rPr lang="es-CO" b="0" dirty="0" smtClean="0">
                 <a:solidFill>
                   <a:schemeClr val="bg1">
@@ -5380,722 +3532,7 @@
                   </a:schemeClr>
                 </a:solidFill>
               </a:rPr>
-              <a:t> </a:t>
-            </a:r>
-            <a:r>
-              <a:rPr lang="es-CO" b="0" dirty="0" err="1" smtClean="0">
-                <a:solidFill>
-                  <a:schemeClr val="bg1">
-                    <a:lumMod val="75000"/>
-                    <a:lumOff val="25000"/>
-                  </a:schemeClr>
-                </a:solidFill>
-              </a:rPr>
-              <a:t>problem</a:t>
-            </a:r>
-            <a:r>
-              <a:rPr lang="es-CO" b="0" dirty="0" smtClean="0">
-                <a:solidFill>
-                  <a:schemeClr val="bg1">
-                    <a:lumMod val="75000"/>
-                    <a:lumOff val="25000"/>
-                  </a:schemeClr>
-                </a:solidFill>
-              </a:rPr>
-              <a:t> </a:t>
-            </a:r>
-            <a:r>
-              <a:rPr lang="es-CO" b="0" dirty="0" err="1" smtClean="0">
-                <a:solidFill>
-                  <a:schemeClr val="bg1">
-                    <a:lumMod val="75000"/>
-                    <a:lumOff val="25000"/>
-                  </a:schemeClr>
-                </a:solidFill>
-              </a:rPr>
-              <a:t>is</a:t>
-            </a:r>
-            <a:r>
-              <a:rPr lang="es-CO" b="0" dirty="0" smtClean="0">
-                <a:solidFill>
-                  <a:schemeClr val="bg1">
-                    <a:lumMod val="75000"/>
-                    <a:lumOff val="25000"/>
-                  </a:schemeClr>
-                </a:solidFill>
-              </a:rPr>
-              <a:t> </a:t>
-            </a:r>
-            <a:r>
-              <a:rPr lang="es-CO" b="0" dirty="0" err="1" smtClean="0">
-                <a:solidFill>
-                  <a:schemeClr val="bg1">
-                    <a:lumMod val="75000"/>
-                    <a:lumOff val="25000"/>
-                  </a:schemeClr>
-                </a:solidFill>
-              </a:rPr>
-              <a:t>identified</a:t>
-            </a:r>
-            <a:r>
-              <a:rPr lang="es-CO" b="0" dirty="0" smtClean="0">
-                <a:solidFill>
-                  <a:schemeClr val="bg1">
-                    <a:lumMod val="75000"/>
-                    <a:lumOff val="25000"/>
-                  </a:schemeClr>
-                </a:solidFill>
-              </a:rPr>
-              <a:t> </a:t>
-            </a:r>
-            <a:r>
-              <a:rPr lang="es-CO" b="0" dirty="0" err="1" smtClean="0">
-                <a:solidFill>
-                  <a:schemeClr val="bg1">
-                    <a:lumMod val="75000"/>
-                    <a:lumOff val="25000"/>
-                  </a:schemeClr>
-                </a:solidFill>
-              </a:rPr>
-              <a:t>by</a:t>
-            </a:r>
-            <a:r>
-              <a:rPr lang="es-CO" b="0" dirty="0" smtClean="0">
-                <a:solidFill>
-                  <a:schemeClr val="bg1">
-                    <a:lumMod val="75000"/>
-                    <a:lumOff val="25000"/>
-                  </a:schemeClr>
-                </a:solidFill>
-              </a:rPr>
-              <a:t> </a:t>
-            </a:r>
-            <a:r>
-              <a:rPr lang="es-CO" b="0" dirty="0" err="1" smtClean="0">
-                <a:solidFill>
-                  <a:schemeClr val="bg1">
-                    <a:lumMod val="75000"/>
-                    <a:lumOff val="25000"/>
-                  </a:schemeClr>
-                </a:solidFill>
-              </a:rPr>
-              <a:t>observing</a:t>
-            </a:r>
-            <a:r>
-              <a:rPr lang="es-CO" b="0" dirty="0" smtClean="0">
-                <a:solidFill>
-                  <a:schemeClr val="bg1">
-                    <a:lumMod val="75000"/>
-                    <a:lumOff val="25000"/>
-                  </a:schemeClr>
-                </a:solidFill>
-              </a:rPr>
-              <a:t> </a:t>
-            </a:r>
-            <a:r>
-              <a:rPr lang="es-CO" b="0" dirty="0" err="1" smtClean="0">
-                <a:solidFill>
-                  <a:schemeClr val="bg1">
-                    <a:lumMod val="75000"/>
-                    <a:lumOff val="25000"/>
-                  </a:schemeClr>
-                </a:solidFill>
-              </a:rPr>
-              <a:t>that</a:t>
-            </a:r>
-            <a:r>
-              <a:rPr lang="es-CO" b="0" dirty="0" smtClean="0">
-                <a:solidFill>
-                  <a:schemeClr val="bg1">
-                    <a:lumMod val="75000"/>
-                    <a:lumOff val="25000"/>
-                  </a:schemeClr>
-                </a:solidFill>
-              </a:rPr>
-              <a:t> in </a:t>
-            </a:r>
-            <a:r>
-              <a:rPr lang="es-CO" b="0" dirty="0" err="1" smtClean="0">
-                <a:solidFill>
-                  <a:schemeClr val="bg1">
-                    <a:lumMod val="75000"/>
-                    <a:lumOff val="25000"/>
-                  </a:schemeClr>
-                </a:solidFill>
-              </a:rPr>
-              <a:t>the</a:t>
-            </a:r>
-            <a:r>
-              <a:rPr lang="es-CO" b="0" dirty="0" smtClean="0">
-                <a:solidFill>
-                  <a:schemeClr val="bg1">
-                    <a:lumMod val="75000"/>
-                    <a:lumOff val="25000"/>
-                  </a:schemeClr>
-                </a:solidFill>
-              </a:rPr>
-              <a:t> SENA and in </a:t>
-            </a:r>
-            <a:r>
-              <a:rPr lang="es-CO" b="0" dirty="0" err="1" smtClean="0">
-                <a:solidFill>
-                  <a:schemeClr val="bg1">
-                    <a:lumMod val="75000"/>
-                    <a:lumOff val="25000"/>
-                  </a:schemeClr>
-                </a:solidFill>
-              </a:rPr>
-              <a:t>the</a:t>
-            </a:r>
-            <a:r>
-              <a:rPr lang="es-CO" b="0" dirty="0" smtClean="0">
-                <a:solidFill>
-                  <a:schemeClr val="bg1">
-                    <a:lumMod val="75000"/>
-                    <a:lumOff val="25000"/>
-                  </a:schemeClr>
-                </a:solidFill>
-              </a:rPr>
-              <a:t> </a:t>
-            </a:r>
-            <a:r>
-              <a:rPr lang="es-CO" b="0" dirty="0" err="1" smtClean="0">
-                <a:solidFill>
-                  <a:schemeClr val="bg1">
-                    <a:lumMod val="75000"/>
-                    <a:lumOff val="25000"/>
-                  </a:schemeClr>
-                </a:solidFill>
-              </a:rPr>
-              <a:t>homes</a:t>
-            </a:r>
-            <a:r>
-              <a:rPr lang="es-CO" b="0" dirty="0" smtClean="0">
-                <a:solidFill>
-                  <a:schemeClr val="bg1">
-                    <a:lumMod val="75000"/>
-                    <a:lumOff val="25000"/>
-                  </a:schemeClr>
-                </a:solidFill>
-              </a:rPr>
-              <a:t> </a:t>
-            </a:r>
-            <a:r>
-              <a:rPr lang="es-CO" b="0" dirty="0" err="1" smtClean="0">
-                <a:solidFill>
-                  <a:schemeClr val="bg1">
-                    <a:lumMod val="75000"/>
-                    <a:lumOff val="25000"/>
-                  </a:schemeClr>
-                </a:solidFill>
-              </a:rPr>
-              <a:t>there</a:t>
-            </a:r>
-            <a:r>
-              <a:rPr lang="es-CO" b="0" dirty="0" smtClean="0">
-                <a:solidFill>
-                  <a:schemeClr val="bg1">
-                    <a:lumMod val="75000"/>
-                    <a:lumOff val="25000"/>
-                  </a:schemeClr>
-                </a:solidFill>
-              </a:rPr>
-              <a:t> </a:t>
-            </a:r>
-            <a:r>
-              <a:rPr lang="es-CO" b="0" dirty="0" err="1" smtClean="0">
-                <a:solidFill>
-                  <a:schemeClr val="bg1">
-                    <a:lumMod val="75000"/>
-                    <a:lumOff val="25000"/>
-                  </a:schemeClr>
-                </a:solidFill>
-              </a:rPr>
-              <a:t>is</a:t>
-            </a:r>
-            <a:r>
-              <a:rPr lang="es-CO" b="0" dirty="0" smtClean="0">
-                <a:solidFill>
-                  <a:schemeClr val="bg1">
-                    <a:lumMod val="75000"/>
-                    <a:lumOff val="25000"/>
-                  </a:schemeClr>
-                </a:solidFill>
-              </a:rPr>
-              <a:t> </a:t>
-            </a:r>
-            <a:r>
-              <a:rPr lang="es-CO" b="0" dirty="0" err="1" smtClean="0">
-                <a:solidFill>
-                  <a:schemeClr val="bg1">
-                    <a:lumMod val="75000"/>
-                    <a:lumOff val="25000"/>
-                  </a:schemeClr>
-                </a:solidFill>
-              </a:rPr>
-              <a:t>not</a:t>
-            </a:r>
-            <a:r>
-              <a:rPr lang="es-CO" b="0" dirty="0" smtClean="0">
-                <a:solidFill>
-                  <a:schemeClr val="bg1">
-                    <a:lumMod val="75000"/>
-                    <a:lumOff val="25000"/>
-                  </a:schemeClr>
-                </a:solidFill>
-              </a:rPr>
-              <a:t> a </a:t>
-            </a:r>
-            <a:r>
-              <a:rPr lang="es-CO" b="0" dirty="0" err="1" smtClean="0">
-                <a:solidFill>
-                  <a:schemeClr val="bg1">
-                    <a:lumMod val="75000"/>
-                    <a:lumOff val="25000"/>
-                  </a:schemeClr>
-                </a:solidFill>
-              </a:rPr>
-              <a:t>system</a:t>
-            </a:r>
-            <a:r>
-              <a:rPr lang="es-CO" b="0" dirty="0" smtClean="0">
-                <a:solidFill>
-                  <a:schemeClr val="bg1">
-                    <a:lumMod val="75000"/>
-                    <a:lumOff val="25000"/>
-                  </a:schemeClr>
-                </a:solidFill>
-              </a:rPr>
-              <a:t> </a:t>
-            </a:r>
-            <a:r>
-              <a:rPr lang="es-CO" b="0" dirty="0" err="1" smtClean="0">
-                <a:solidFill>
-                  <a:schemeClr val="bg1">
-                    <a:lumMod val="75000"/>
-                    <a:lumOff val="25000"/>
-                  </a:schemeClr>
-                </a:solidFill>
-              </a:rPr>
-              <a:t>that</a:t>
-            </a:r>
-            <a:r>
-              <a:rPr lang="es-CO" b="0" dirty="0" smtClean="0">
-                <a:solidFill>
-                  <a:schemeClr val="bg1">
-                    <a:lumMod val="75000"/>
-                    <a:lumOff val="25000"/>
-                  </a:schemeClr>
-                </a:solidFill>
-              </a:rPr>
-              <a:t> </a:t>
-            </a:r>
-            <a:r>
-              <a:rPr lang="es-CO" b="0" dirty="0" err="1" smtClean="0">
-                <a:solidFill>
-                  <a:schemeClr val="bg1">
-                    <a:lumMod val="75000"/>
-                    <a:lumOff val="25000"/>
-                  </a:schemeClr>
-                </a:solidFill>
-              </a:rPr>
-              <a:t>allows</a:t>
-            </a:r>
-            <a:r>
-              <a:rPr lang="es-CO" b="0" dirty="0" smtClean="0">
-                <a:solidFill>
-                  <a:schemeClr val="bg1">
-                    <a:lumMod val="75000"/>
-                    <a:lumOff val="25000"/>
-                  </a:schemeClr>
-                </a:solidFill>
-              </a:rPr>
-              <a:t> to </a:t>
-            </a:r>
-            <a:r>
-              <a:rPr lang="es-CO" b="0" dirty="0" err="1" smtClean="0">
-                <a:solidFill>
-                  <a:schemeClr val="bg1">
-                    <a:lumMod val="75000"/>
-                    <a:lumOff val="25000"/>
-                  </a:schemeClr>
-                </a:solidFill>
-              </a:rPr>
-              <a:t>manage</a:t>
-            </a:r>
-            <a:r>
-              <a:rPr lang="es-CO" b="0" dirty="0" smtClean="0">
-                <a:solidFill>
-                  <a:schemeClr val="bg1">
-                    <a:lumMod val="75000"/>
-                    <a:lumOff val="25000"/>
-                  </a:schemeClr>
-                </a:solidFill>
-              </a:rPr>
-              <a:t> </a:t>
-            </a:r>
-            <a:r>
-              <a:rPr lang="es-CO" b="0" dirty="0" err="1" smtClean="0">
-                <a:solidFill>
-                  <a:schemeClr val="bg1">
-                    <a:lumMod val="75000"/>
-                    <a:lumOff val="25000"/>
-                  </a:schemeClr>
-                </a:solidFill>
-              </a:rPr>
-              <a:t>the</a:t>
-            </a:r>
-            <a:r>
-              <a:rPr lang="es-CO" b="0" dirty="0" smtClean="0">
-                <a:solidFill>
-                  <a:schemeClr val="bg1">
-                    <a:lumMod val="75000"/>
-                    <a:lumOff val="25000"/>
-                  </a:schemeClr>
-                </a:solidFill>
-              </a:rPr>
-              <a:t> </a:t>
-            </a:r>
-            <a:r>
-              <a:rPr lang="es-CO" b="0" dirty="0" err="1" smtClean="0">
-                <a:solidFill>
-                  <a:schemeClr val="bg1">
-                    <a:lumMod val="75000"/>
-                    <a:lumOff val="25000"/>
-                  </a:schemeClr>
-                </a:solidFill>
-              </a:rPr>
-              <a:t>bulbs</a:t>
-            </a:r>
-            <a:r>
-              <a:rPr lang="es-CO" b="0" dirty="0" smtClean="0">
-                <a:solidFill>
-                  <a:schemeClr val="bg1">
-                    <a:lumMod val="75000"/>
-                    <a:lumOff val="25000"/>
-                  </a:schemeClr>
-                </a:solidFill>
-              </a:rPr>
-              <a:t> </a:t>
-            </a:r>
-            <a:r>
-              <a:rPr lang="es-CO" b="0" dirty="0" err="1" smtClean="0">
-                <a:solidFill>
-                  <a:schemeClr val="bg1">
-                    <a:lumMod val="75000"/>
-                    <a:lumOff val="25000"/>
-                  </a:schemeClr>
-                </a:solidFill>
-              </a:rPr>
-              <a:t>from</a:t>
-            </a:r>
-            <a:r>
-              <a:rPr lang="es-CO" b="0" dirty="0" smtClean="0">
-                <a:solidFill>
-                  <a:schemeClr val="bg1">
-                    <a:lumMod val="75000"/>
-                    <a:lumOff val="25000"/>
-                  </a:schemeClr>
-                </a:solidFill>
-              </a:rPr>
-              <a:t> </a:t>
-            </a:r>
-            <a:r>
-              <a:rPr lang="es-CO" b="0" dirty="0" err="1" smtClean="0">
-                <a:solidFill>
-                  <a:schemeClr val="bg1">
-                    <a:lumMod val="75000"/>
-                    <a:lumOff val="25000"/>
-                  </a:schemeClr>
-                </a:solidFill>
-              </a:rPr>
-              <a:t>any</a:t>
-            </a:r>
-            <a:r>
-              <a:rPr lang="es-CO" b="0" dirty="0" smtClean="0">
-                <a:solidFill>
-                  <a:schemeClr val="bg1">
-                    <a:lumMod val="75000"/>
-                    <a:lumOff val="25000"/>
-                  </a:schemeClr>
-                </a:solidFill>
-              </a:rPr>
-              <a:t> </a:t>
-            </a:r>
-            <a:r>
-              <a:rPr lang="es-CO" b="0" dirty="0" err="1" smtClean="0">
-                <a:solidFill>
-                  <a:schemeClr val="bg1">
-                    <a:lumMod val="75000"/>
-                    <a:lumOff val="25000"/>
-                  </a:schemeClr>
-                </a:solidFill>
-              </a:rPr>
-              <a:t>distance</a:t>
-            </a:r>
-            <a:r>
-              <a:rPr lang="es-CO" b="0" dirty="0" smtClean="0">
-                <a:solidFill>
-                  <a:schemeClr val="bg1">
-                    <a:lumMod val="75000"/>
-                    <a:lumOff val="25000"/>
-                  </a:schemeClr>
-                </a:solidFill>
-              </a:rPr>
-              <a:t> </a:t>
-            </a:r>
-            <a:r>
-              <a:rPr lang="es-CO" b="0" dirty="0" err="1" smtClean="0">
-                <a:solidFill>
-                  <a:schemeClr val="bg1">
-                    <a:lumMod val="75000"/>
-                    <a:lumOff val="25000"/>
-                  </a:schemeClr>
-                </a:solidFill>
-              </a:rPr>
-              <a:t>there</a:t>
-            </a:r>
-            <a:r>
-              <a:rPr lang="es-CO" b="0" dirty="0" smtClean="0">
-                <a:solidFill>
-                  <a:schemeClr val="bg1">
-                    <a:lumMod val="75000"/>
-                    <a:lumOff val="25000"/>
-                  </a:schemeClr>
-                </a:solidFill>
-              </a:rPr>
-              <a:t> </a:t>
-            </a:r>
-            <a:r>
-              <a:rPr lang="es-CO" b="0" dirty="0" err="1" smtClean="0">
-                <a:solidFill>
-                  <a:schemeClr val="bg1">
-                    <a:lumMod val="75000"/>
-                    <a:lumOff val="25000"/>
-                  </a:schemeClr>
-                </a:solidFill>
-              </a:rPr>
-              <a:t>is</a:t>
-            </a:r>
-            <a:r>
-              <a:rPr lang="es-CO" b="0" dirty="0" smtClean="0">
-                <a:solidFill>
-                  <a:schemeClr val="bg1">
-                    <a:lumMod val="75000"/>
-                    <a:lumOff val="25000"/>
-                  </a:schemeClr>
-                </a:solidFill>
-              </a:rPr>
-              <a:t> </a:t>
-            </a:r>
-            <a:r>
-              <a:rPr lang="es-CO" b="0" dirty="0" err="1" smtClean="0">
-                <a:solidFill>
-                  <a:schemeClr val="bg1">
-                    <a:lumMod val="75000"/>
-                    <a:lumOff val="25000"/>
-                  </a:schemeClr>
-                </a:solidFill>
-              </a:rPr>
-              <a:t>not</a:t>
-            </a:r>
-            <a:r>
-              <a:rPr lang="es-CO" b="0" dirty="0" smtClean="0">
-                <a:solidFill>
-                  <a:schemeClr val="bg1">
-                    <a:lumMod val="75000"/>
-                    <a:lumOff val="25000"/>
-                  </a:schemeClr>
-                </a:solidFill>
-              </a:rPr>
-              <a:t> a </a:t>
-            </a:r>
-            <a:r>
-              <a:rPr lang="es-CO" b="0" dirty="0" err="1" smtClean="0">
-                <a:solidFill>
-                  <a:schemeClr val="bg1">
-                    <a:lumMod val="75000"/>
-                    <a:lumOff val="25000"/>
-                  </a:schemeClr>
-                </a:solidFill>
-              </a:rPr>
-              <a:t>system</a:t>
-            </a:r>
-            <a:r>
-              <a:rPr lang="es-CO" b="0" dirty="0" smtClean="0">
-                <a:solidFill>
-                  <a:schemeClr val="bg1">
-                    <a:lumMod val="75000"/>
-                    <a:lumOff val="25000"/>
-                  </a:schemeClr>
-                </a:solidFill>
-              </a:rPr>
-              <a:t> </a:t>
-            </a:r>
-            <a:r>
-              <a:rPr lang="es-CO" b="0" dirty="0" err="1" smtClean="0">
-                <a:solidFill>
-                  <a:schemeClr val="bg1">
-                    <a:lumMod val="75000"/>
-                    <a:lumOff val="25000"/>
-                  </a:schemeClr>
-                </a:solidFill>
-              </a:rPr>
-              <a:t>that</a:t>
-            </a:r>
-            <a:r>
-              <a:rPr lang="es-CO" b="0" dirty="0" smtClean="0">
-                <a:solidFill>
-                  <a:schemeClr val="bg1">
-                    <a:lumMod val="75000"/>
-                    <a:lumOff val="25000"/>
-                  </a:schemeClr>
-                </a:solidFill>
-              </a:rPr>
-              <a:t> </a:t>
-            </a:r>
-            <a:r>
-              <a:rPr lang="es-CO" b="0" dirty="0" err="1" smtClean="0">
-                <a:solidFill>
-                  <a:schemeClr val="bg1">
-                    <a:lumMod val="75000"/>
-                    <a:lumOff val="25000"/>
-                  </a:schemeClr>
-                </a:solidFill>
-              </a:rPr>
-              <a:t>allows</a:t>
-            </a:r>
-            <a:r>
-              <a:rPr lang="es-CO" b="0" dirty="0" smtClean="0">
-                <a:solidFill>
-                  <a:schemeClr val="bg1">
-                    <a:lumMod val="75000"/>
-                    <a:lumOff val="25000"/>
-                  </a:schemeClr>
-                </a:solidFill>
-              </a:rPr>
-              <a:t> to control </a:t>
-            </a:r>
-            <a:r>
-              <a:rPr lang="es-CO" b="0" dirty="0" err="1" smtClean="0">
-                <a:solidFill>
-                  <a:schemeClr val="bg1">
-                    <a:lumMod val="75000"/>
-                    <a:lumOff val="25000"/>
-                  </a:schemeClr>
-                </a:solidFill>
-              </a:rPr>
-              <a:t>the</a:t>
-            </a:r>
-            <a:r>
-              <a:rPr lang="es-CO" b="0" dirty="0" smtClean="0">
-                <a:solidFill>
-                  <a:schemeClr val="bg1">
-                    <a:lumMod val="75000"/>
-                    <a:lumOff val="25000"/>
-                  </a:schemeClr>
-                </a:solidFill>
-              </a:rPr>
-              <a:t> </a:t>
-            </a:r>
-            <a:r>
-              <a:rPr lang="es-CO" b="0" dirty="0" err="1" smtClean="0">
-                <a:solidFill>
-                  <a:schemeClr val="bg1">
-                    <a:lumMod val="75000"/>
-                    <a:lumOff val="25000"/>
-                  </a:schemeClr>
-                </a:solidFill>
-              </a:rPr>
-              <a:t>energy</a:t>
-            </a:r>
-            <a:r>
-              <a:rPr lang="es-CO" b="0" dirty="0" smtClean="0">
-                <a:solidFill>
-                  <a:schemeClr val="bg1">
-                    <a:lumMod val="75000"/>
-                    <a:lumOff val="25000"/>
-                  </a:schemeClr>
-                </a:solidFill>
-              </a:rPr>
-              <a:t> </a:t>
-            </a:r>
-            <a:r>
-              <a:rPr lang="es-CO" b="0" dirty="0" err="1" smtClean="0">
-                <a:solidFill>
-                  <a:schemeClr val="bg1">
-                    <a:lumMod val="75000"/>
-                    <a:lumOff val="25000"/>
-                  </a:schemeClr>
-                </a:solidFill>
-              </a:rPr>
-              <a:t>consumed</a:t>
-            </a:r>
-            <a:r>
-              <a:rPr lang="es-CO" b="0" dirty="0" smtClean="0">
-                <a:solidFill>
-                  <a:schemeClr val="bg1">
-                    <a:lumMod val="75000"/>
-                    <a:lumOff val="25000"/>
-                  </a:schemeClr>
-                </a:solidFill>
-              </a:rPr>
-              <a:t> </a:t>
-            </a:r>
-            <a:r>
-              <a:rPr lang="es-CO" b="0" dirty="0" err="1" smtClean="0">
-                <a:solidFill>
-                  <a:schemeClr val="bg1">
-                    <a:lumMod val="75000"/>
-                    <a:lumOff val="25000"/>
-                  </a:schemeClr>
-                </a:solidFill>
-              </a:rPr>
-              <a:t>by</a:t>
-            </a:r>
-            <a:r>
-              <a:rPr lang="es-CO" b="0" dirty="0" smtClean="0">
-                <a:solidFill>
-                  <a:schemeClr val="bg1">
-                    <a:lumMod val="75000"/>
-                    <a:lumOff val="25000"/>
-                  </a:schemeClr>
-                </a:solidFill>
-              </a:rPr>
-              <a:t> </a:t>
-            </a:r>
-            <a:r>
-              <a:rPr lang="es-CO" b="0" dirty="0" err="1" smtClean="0">
-                <a:solidFill>
-                  <a:schemeClr val="bg1">
-                    <a:lumMod val="75000"/>
-                    <a:lumOff val="25000"/>
-                  </a:schemeClr>
-                </a:solidFill>
-              </a:rPr>
-              <a:t>that</a:t>
-            </a:r>
-            <a:r>
-              <a:rPr lang="es-CO" b="0" dirty="0" smtClean="0">
-                <a:solidFill>
-                  <a:schemeClr val="bg1">
-                    <a:lumMod val="75000"/>
-                    <a:lumOff val="25000"/>
-                  </a:schemeClr>
-                </a:solidFill>
-              </a:rPr>
-              <a:t> </a:t>
-            </a:r>
-            <a:r>
-              <a:rPr lang="es-CO" b="0" dirty="0" err="1" smtClean="0">
-                <a:solidFill>
-                  <a:schemeClr val="bg1">
-                    <a:lumMod val="75000"/>
-                    <a:lumOff val="25000"/>
-                  </a:schemeClr>
-                </a:solidFill>
-              </a:rPr>
-              <a:t>bulbs</a:t>
+              <a:t>El problema es identificado al observar que en el SENA y en el hogar no hay un sistema que permite administrar los bombillos desde cualquier distancia y no hay un sistema que permite controlar la energía consumida por los bombillos.</a:t>
             </a:r>
             <a:endParaRPr b="0" dirty="0">
               <a:solidFill>
@@ -6190,8 +3627,8 @@
           </a:lstStyle>
           <a:p>
             <a:r>
-              <a:rPr lang="es-CO" dirty="0" err="1" smtClean="0"/>
-              <a:t>Justification</a:t>
+              <a:rPr lang="es-CO" dirty="0" smtClean="0"/>
+              <a:t>Justificación</a:t>
             </a:r>
             <a:r>
               <a:rPr dirty="0" smtClean="0"/>
@@ -6246,8 +3683,8 @@
         </p:nvSpPr>
         <p:spPr>
           <a:xfrm>
-            <a:off x="4029767" y="7871082"/>
-            <a:ext cx="16323007" cy="2760370"/>
+            <a:off x="4029767" y="8214124"/>
+            <a:ext cx="16323007" cy="2074285"/>
           </a:xfrm>
           <a:prstGeom prst="rect">
             <a:avLst/>
@@ -6274,640 +3711,15 @@
               <a:defRPr sz="4000"/>
             </a:pPr>
             <a:r>
-              <a:rPr lang="es-CO" b="0" dirty="0" err="1" smtClean="0">
-                <a:solidFill>
-                  <a:srgbClr val="6C6C6C"/>
-                </a:solidFill>
-                <a:latin typeface="Calibri"/>
-                <a:ea typeface="Calibri"/>
-                <a:cs typeface="Calibri"/>
-                <a:sym typeface="Calibri"/>
-              </a:rPr>
-              <a:t>The</a:t>
-            </a:r>
-            <a:r>
               <a:rPr lang="es-CO" b="0" dirty="0" smtClean="0">
                 <a:solidFill>
                   <a:srgbClr val="6C6C6C"/>
                 </a:solidFill>
                 <a:latin typeface="Calibri"/>
-                <a:ea typeface="Calibri"/>
                 <a:cs typeface="Calibri"/>
                 <a:sym typeface="Calibri"/>
               </a:rPr>
-              <a:t> </a:t>
-            </a:r>
-            <a:r>
-              <a:rPr lang="es-CO" b="0" dirty="0" err="1" smtClean="0">
-                <a:solidFill>
-                  <a:srgbClr val="6C6C6C"/>
-                </a:solidFill>
-                <a:latin typeface="Calibri"/>
-                <a:ea typeface="Calibri"/>
-                <a:cs typeface="Calibri"/>
-                <a:sym typeface="Calibri"/>
-              </a:rPr>
-              <a:t>need</a:t>
-            </a:r>
-            <a:r>
-              <a:rPr lang="es-CO" b="0" dirty="0" smtClean="0">
-                <a:solidFill>
-                  <a:srgbClr val="6C6C6C"/>
-                </a:solidFill>
-                <a:latin typeface="Calibri"/>
-                <a:ea typeface="Calibri"/>
-                <a:cs typeface="Calibri"/>
-                <a:sym typeface="Calibri"/>
-              </a:rPr>
-              <a:t> </a:t>
-            </a:r>
-            <a:r>
-              <a:rPr lang="es-CO" b="0" dirty="0" err="1" smtClean="0">
-                <a:solidFill>
-                  <a:srgbClr val="6C6C6C"/>
-                </a:solidFill>
-                <a:latin typeface="Calibri"/>
-                <a:ea typeface="Calibri"/>
-                <a:cs typeface="Calibri"/>
-                <a:sym typeface="Calibri"/>
-              </a:rPr>
-              <a:t>identified</a:t>
-            </a:r>
-            <a:r>
-              <a:rPr lang="es-CO" b="0" dirty="0" smtClean="0">
-                <a:solidFill>
-                  <a:srgbClr val="6C6C6C"/>
-                </a:solidFill>
-                <a:latin typeface="Calibri"/>
-                <a:ea typeface="Calibri"/>
-                <a:cs typeface="Calibri"/>
-                <a:sym typeface="Calibri"/>
-              </a:rPr>
-              <a:t> to </a:t>
-            </a:r>
-            <a:r>
-              <a:rPr lang="es-CO" b="0" dirty="0" err="1" smtClean="0">
-                <a:solidFill>
-                  <a:srgbClr val="6C6C6C"/>
-                </a:solidFill>
-                <a:latin typeface="Calibri"/>
-                <a:ea typeface="Calibri"/>
-                <a:cs typeface="Calibri"/>
-                <a:sym typeface="Calibri"/>
-              </a:rPr>
-              <a:t>develop</a:t>
-            </a:r>
-            <a:r>
-              <a:rPr lang="es-CO" b="0" dirty="0" smtClean="0">
-                <a:solidFill>
-                  <a:srgbClr val="6C6C6C"/>
-                </a:solidFill>
-                <a:latin typeface="Calibri"/>
-                <a:ea typeface="Calibri"/>
-                <a:cs typeface="Calibri"/>
-                <a:sym typeface="Calibri"/>
-              </a:rPr>
-              <a:t> a </a:t>
-            </a:r>
-            <a:r>
-              <a:rPr lang="es-CO" b="0" dirty="0" err="1" smtClean="0">
-                <a:solidFill>
-                  <a:srgbClr val="6C6C6C"/>
-                </a:solidFill>
-                <a:latin typeface="Calibri"/>
-                <a:ea typeface="Calibri"/>
-                <a:cs typeface="Calibri"/>
-                <a:sym typeface="Calibri"/>
-              </a:rPr>
-              <a:t>system</a:t>
-            </a:r>
-            <a:r>
-              <a:rPr lang="es-CO" b="0" dirty="0" smtClean="0">
-                <a:solidFill>
-                  <a:srgbClr val="6C6C6C"/>
-                </a:solidFill>
-                <a:latin typeface="Calibri"/>
-                <a:ea typeface="Calibri"/>
-                <a:cs typeface="Calibri"/>
-                <a:sym typeface="Calibri"/>
-              </a:rPr>
-              <a:t> </a:t>
-            </a:r>
-            <a:r>
-              <a:rPr lang="es-CO" b="0" dirty="0" err="1" smtClean="0">
-                <a:solidFill>
-                  <a:srgbClr val="6C6C6C"/>
-                </a:solidFill>
-                <a:latin typeface="Calibri"/>
-                <a:ea typeface="Calibri"/>
-                <a:cs typeface="Calibri"/>
-                <a:sym typeface="Calibri"/>
-              </a:rPr>
-              <a:t>that</a:t>
-            </a:r>
-            <a:r>
-              <a:rPr lang="es-CO" b="0" dirty="0" smtClean="0">
-                <a:solidFill>
-                  <a:srgbClr val="6C6C6C"/>
-                </a:solidFill>
-                <a:latin typeface="Calibri"/>
-                <a:ea typeface="Calibri"/>
-                <a:cs typeface="Calibri"/>
-                <a:sym typeface="Calibri"/>
-              </a:rPr>
-              <a:t> </a:t>
-            </a:r>
-            <a:r>
-              <a:rPr lang="es-CO" b="0" dirty="0" err="1" smtClean="0">
-                <a:solidFill>
-                  <a:srgbClr val="6C6C6C"/>
-                </a:solidFill>
-                <a:latin typeface="Calibri"/>
-                <a:ea typeface="Calibri"/>
-                <a:cs typeface="Calibri"/>
-                <a:sym typeface="Calibri"/>
-              </a:rPr>
-              <a:t>allows</a:t>
-            </a:r>
-            <a:r>
-              <a:rPr lang="es-CO" b="0" dirty="0" smtClean="0">
-                <a:solidFill>
-                  <a:srgbClr val="6C6C6C"/>
-                </a:solidFill>
-                <a:latin typeface="Calibri"/>
-                <a:ea typeface="Calibri"/>
-                <a:cs typeface="Calibri"/>
-                <a:sym typeface="Calibri"/>
-              </a:rPr>
-              <a:t> to </a:t>
-            </a:r>
-            <a:r>
-              <a:rPr lang="es-CO" b="0" dirty="0" err="1" smtClean="0">
-                <a:solidFill>
-                  <a:srgbClr val="6C6C6C"/>
-                </a:solidFill>
-                <a:latin typeface="Calibri"/>
-                <a:ea typeface="Calibri"/>
-                <a:cs typeface="Calibri"/>
-                <a:sym typeface="Calibri"/>
-              </a:rPr>
-              <a:t>manage</a:t>
-            </a:r>
-            <a:r>
-              <a:rPr lang="es-CO" b="0" dirty="0" smtClean="0">
-                <a:solidFill>
-                  <a:srgbClr val="6C6C6C"/>
-                </a:solidFill>
-                <a:latin typeface="Calibri"/>
-                <a:ea typeface="Calibri"/>
-                <a:cs typeface="Calibri"/>
-                <a:sym typeface="Calibri"/>
-              </a:rPr>
-              <a:t> </a:t>
-            </a:r>
-            <a:r>
-              <a:rPr lang="es-CO" b="0" dirty="0" err="1" smtClean="0">
-                <a:solidFill>
-                  <a:srgbClr val="6C6C6C"/>
-                </a:solidFill>
-                <a:latin typeface="Calibri"/>
-                <a:ea typeface="Calibri"/>
-                <a:cs typeface="Calibri"/>
-                <a:sym typeface="Calibri"/>
-              </a:rPr>
-              <a:t>the</a:t>
-            </a:r>
-            <a:r>
-              <a:rPr lang="es-CO" b="0" dirty="0" smtClean="0">
-                <a:solidFill>
-                  <a:srgbClr val="6C6C6C"/>
-                </a:solidFill>
-                <a:latin typeface="Calibri"/>
-                <a:ea typeface="Calibri"/>
-                <a:cs typeface="Calibri"/>
-                <a:sym typeface="Calibri"/>
-              </a:rPr>
-              <a:t> </a:t>
-            </a:r>
-            <a:r>
-              <a:rPr lang="es-CO" b="0" dirty="0" err="1" smtClean="0">
-                <a:solidFill>
-                  <a:srgbClr val="6C6C6C"/>
-                </a:solidFill>
-                <a:latin typeface="Calibri"/>
-                <a:ea typeface="Calibri"/>
-                <a:cs typeface="Calibri"/>
-                <a:sym typeface="Calibri"/>
-              </a:rPr>
-              <a:t>on</a:t>
-            </a:r>
-            <a:r>
-              <a:rPr lang="es-CO" b="0" dirty="0" smtClean="0">
-                <a:solidFill>
-                  <a:srgbClr val="6C6C6C"/>
-                </a:solidFill>
-                <a:latin typeface="Calibri"/>
-                <a:ea typeface="Calibri"/>
-                <a:cs typeface="Calibri"/>
-                <a:sym typeface="Calibri"/>
-              </a:rPr>
-              <a:t> and off of </a:t>
-            </a:r>
-            <a:r>
-              <a:rPr lang="es-CO" b="0" dirty="0" err="1" smtClean="0">
-                <a:solidFill>
-                  <a:srgbClr val="6C6C6C"/>
-                </a:solidFill>
-                <a:latin typeface="Calibri"/>
-                <a:ea typeface="Calibri"/>
-                <a:cs typeface="Calibri"/>
-                <a:sym typeface="Calibri"/>
-              </a:rPr>
-              <a:t>bubls</a:t>
-            </a:r>
-            <a:r>
-              <a:rPr lang="es-CO" b="0" dirty="0" smtClean="0">
-                <a:solidFill>
-                  <a:srgbClr val="6C6C6C"/>
-                </a:solidFill>
-                <a:latin typeface="Calibri"/>
-                <a:ea typeface="Calibri"/>
-                <a:cs typeface="Calibri"/>
-                <a:sym typeface="Calibri"/>
-              </a:rPr>
-              <a:t> </a:t>
-            </a:r>
-            <a:r>
-              <a:rPr lang="es-CO" b="0" dirty="0" err="1" smtClean="0">
-                <a:solidFill>
-                  <a:srgbClr val="6C6C6C"/>
-                </a:solidFill>
-                <a:latin typeface="Calibri"/>
-                <a:ea typeface="Calibri"/>
-                <a:cs typeface="Calibri"/>
-                <a:sym typeface="Calibri"/>
-              </a:rPr>
-              <a:t>intelligently</a:t>
-            </a:r>
-            <a:r>
-              <a:rPr lang="es-CO" b="0" dirty="0" smtClean="0">
-                <a:solidFill>
-                  <a:srgbClr val="6C6C6C"/>
-                </a:solidFill>
-                <a:latin typeface="Calibri"/>
-                <a:ea typeface="Calibri"/>
-                <a:cs typeface="Calibri"/>
-                <a:sym typeface="Calibri"/>
-              </a:rPr>
-              <a:t> and </a:t>
-            </a:r>
-            <a:r>
-              <a:rPr lang="es-CO" b="0" dirty="0" err="1" smtClean="0">
-                <a:solidFill>
-                  <a:srgbClr val="6C6C6C"/>
-                </a:solidFill>
-                <a:latin typeface="Calibri"/>
-                <a:ea typeface="Calibri"/>
-                <a:cs typeface="Calibri"/>
-                <a:sym typeface="Calibri"/>
-              </a:rPr>
-              <a:t>allows</a:t>
-            </a:r>
-            <a:r>
-              <a:rPr lang="es-CO" b="0" dirty="0" smtClean="0">
-                <a:solidFill>
-                  <a:srgbClr val="6C6C6C"/>
-                </a:solidFill>
-                <a:latin typeface="Calibri"/>
-                <a:ea typeface="Calibri"/>
-                <a:cs typeface="Calibri"/>
-                <a:sym typeface="Calibri"/>
-              </a:rPr>
-              <a:t> to  </a:t>
-            </a:r>
-            <a:r>
-              <a:rPr lang="es-CO" b="0" dirty="0" err="1" smtClean="0">
-                <a:solidFill>
-                  <a:srgbClr val="6C6C6C"/>
-                </a:solidFill>
-                <a:latin typeface="Calibri"/>
-                <a:ea typeface="Calibri"/>
-                <a:cs typeface="Calibri"/>
-                <a:sym typeface="Calibri"/>
-              </a:rPr>
-              <a:t>maintain</a:t>
-            </a:r>
-            <a:r>
-              <a:rPr lang="es-CO" b="0" dirty="0" smtClean="0">
-                <a:solidFill>
-                  <a:srgbClr val="6C6C6C"/>
-                </a:solidFill>
-                <a:latin typeface="Calibri"/>
-                <a:ea typeface="Calibri"/>
-                <a:cs typeface="Calibri"/>
-                <a:sym typeface="Calibri"/>
-              </a:rPr>
-              <a:t> </a:t>
-            </a:r>
-            <a:r>
-              <a:rPr lang="es-CO" b="0" dirty="0" err="1" smtClean="0">
-                <a:solidFill>
-                  <a:srgbClr val="6C6C6C"/>
-                </a:solidFill>
-                <a:latin typeface="Calibri"/>
-                <a:ea typeface="Calibri"/>
-                <a:cs typeface="Calibri"/>
-                <a:sym typeface="Calibri"/>
-              </a:rPr>
-              <a:t>an</a:t>
-            </a:r>
-            <a:r>
-              <a:rPr lang="es-CO" b="0" dirty="0" smtClean="0">
-                <a:solidFill>
-                  <a:srgbClr val="6C6C6C"/>
-                </a:solidFill>
-                <a:latin typeface="Calibri"/>
-                <a:ea typeface="Calibri"/>
-                <a:cs typeface="Calibri"/>
-                <a:sym typeface="Calibri"/>
-              </a:rPr>
-              <a:t> </a:t>
-            </a:r>
-            <a:r>
-              <a:rPr lang="es-CO" b="0" dirty="0" err="1" smtClean="0">
-                <a:solidFill>
-                  <a:srgbClr val="6C6C6C"/>
-                </a:solidFill>
-                <a:latin typeface="Calibri"/>
-                <a:ea typeface="Calibri"/>
-                <a:cs typeface="Calibri"/>
-                <a:sym typeface="Calibri"/>
-              </a:rPr>
-              <a:t>energy</a:t>
-            </a:r>
-            <a:r>
-              <a:rPr lang="es-CO" b="0" dirty="0" smtClean="0">
-                <a:solidFill>
-                  <a:srgbClr val="6C6C6C"/>
-                </a:solidFill>
-                <a:latin typeface="Calibri"/>
-                <a:ea typeface="Calibri"/>
-                <a:cs typeface="Calibri"/>
-                <a:sym typeface="Calibri"/>
-              </a:rPr>
-              <a:t> control </a:t>
-            </a:r>
-            <a:r>
-              <a:rPr lang="es-CO" b="0" dirty="0" err="1" smtClean="0">
-                <a:solidFill>
-                  <a:srgbClr val="6C6C6C"/>
-                </a:solidFill>
-                <a:latin typeface="Calibri"/>
-                <a:ea typeface="Calibri"/>
-                <a:cs typeface="Calibri"/>
-                <a:sym typeface="Calibri"/>
-              </a:rPr>
-              <a:t>by</a:t>
-            </a:r>
-            <a:r>
-              <a:rPr lang="es-CO" b="0" dirty="0" smtClean="0">
-                <a:solidFill>
-                  <a:srgbClr val="6C6C6C"/>
-                </a:solidFill>
-                <a:latin typeface="Calibri"/>
-                <a:ea typeface="Calibri"/>
-                <a:cs typeface="Calibri"/>
-                <a:sym typeface="Calibri"/>
-              </a:rPr>
-              <a:t> </a:t>
-            </a:r>
-            <a:r>
-              <a:rPr lang="es-CO" b="0" dirty="0" err="1" smtClean="0">
-                <a:solidFill>
-                  <a:srgbClr val="6C6C6C"/>
-                </a:solidFill>
-                <a:latin typeface="Calibri"/>
-                <a:ea typeface="Calibri"/>
-                <a:cs typeface="Calibri"/>
-                <a:sym typeface="Calibri"/>
-              </a:rPr>
-              <a:t>providing</a:t>
-            </a:r>
-            <a:r>
-              <a:rPr lang="es-CO" b="0" dirty="0" smtClean="0">
-                <a:solidFill>
-                  <a:srgbClr val="6C6C6C"/>
-                </a:solidFill>
-                <a:latin typeface="Calibri"/>
-                <a:ea typeface="Calibri"/>
-                <a:cs typeface="Calibri"/>
-                <a:sym typeface="Calibri"/>
-              </a:rPr>
-              <a:t> </a:t>
-            </a:r>
-            <a:r>
-              <a:rPr lang="es-CO" b="0" dirty="0" err="1" smtClean="0">
-                <a:solidFill>
-                  <a:srgbClr val="6C6C6C"/>
-                </a:solidFill>
-                <a:latin typeface="Calibri"/>
-                <a:ea typeface="Calibri"/>
-                <a:cs typeface="Calibri"/>
-                <a:sym typeface="Calibri"/>
-              </a:rPr>
-              <a:t>reports</a:t>
-            </a:r>
-            <a:r>
-              <a:rPr lang="es-CO" b="0" dirty="0" smtClean="0">
-                <a:solidFill>
-                  <a:srgbClr val="6C6C6C"/>
-                </a:solidFill>
-                <a:latin typeface="Calibri"/>
-                <a:ea typeface="Calibri"/>
-                <a:cs typeface="Calibri"/>
-                <a:sym typeface="Calibri"/>
-              </a:rPr>
-              <a:t> and </a:t>
-            </a:r>
-            <a:r>
-              <a:rPr lang="es-CO" b="0" dirty="0" err="1" smtClean="0">
-                <a:solidFill>
-                  <a:srgbClr val="6C6C6C"/>
-                </a:solidFill>
-                <a:latin typeface="Calibri"/>
-                <a:ea typeface="Calibri"/>
-                <a:cs typeface="Calibri"/>
-                <a:sym typeface="Calibri"/>
-              </a:rPr>
-              <a:t>means</a:t>
-            </a:r>
-            <a:r>
-              <a:rPr lang="es-CO" b="0" dirty="0" smtClean="0">
-                <a:solidFill>
-                  <a:srgbClr val="6C6C6C"/>
-                </a:solidFill>
-                <a:latin typeface="Calibri"/>
-                <a:ea typeface="Calibri"/>
-                <a:cs typeface="Calibri"/>
-                <a:sym typeface="Calibri"/>
-              </a:rPr>
-              <a:t> </a:t>
-            </a:r>
-            <a:r>
-              <a:rPr lang="es-CO" b="0" dirty="0" err="1" smtClean="0">
-                <a:solidFill>
-                  <a:srgbClr val="6C6C6C"/>
-                </a:solidFill>
-                <a:latin typeface="Calibri"/>
-                <a:ea typeface="Calibri"/>
-                <a:cs typeface="Calibri"/>
-                <a:sym typeface="Calibri"/>
-              </a:rPr>
-              <a:t>capable</a:t>
-            </a:r>
-            <a:r>
-              <a:rPr lang="es-CO" b="0" dirty="0" smtClean="0">
-                <a:solidFill>
-                  <a:srgbClr val="6C6C6C"/>
-                </a:solidFill>
-                <a:latin typeface="Calibri"/>
-                <a:ea typeface="Calibri"/>
-                <a:cs typeface="Calibri"/>
-                <a:sym typeface="Calibri"/>
-              </a:rPr>
-              <a:t> of </a:t>
-            </a:r>
-            <a:r>
-              <a:rPr lang="es-CO" b="0" dirty="0" err="1" smtClean="0">
-                <a:solidFill>
-                  <a:srgbClr val="6C6C6C"/>
-                </a:solidFill>
-                <a:latin typeface="Calibri"/>
-                <a:ea typeface="Calibri"/>
-                <a:cs typeface="Calibri"/>
-                <a:sym typeface="Calibri"/>
-              </a:rPr>
-              <a:t>promoting</a:t>
-            </a:r>
-            <a:r>
-              <a:rPr lang="es-CO" b="0" dirty="0" smtClean="0">
-                <a:solidFill>
-                  <a:srgbClr val="6C6C6C"/>
-                </a:solidFill>
-                <a:latin typeface="Calibri"/>
-                <a:ea typeface="Calibri"/>
-                <a:cs typeface="Calibri"/>
-                <a:sym typeface="Calibri"/>
-              </a:rPr>
-              <a:t> </a:t>
-            </a:r>
-            <a:r>
-              <a:rPr lang="es-CO" b="0" dirty="0" err="1" smtClean="0">
-                <a:solidFill>
-                  <a:srgbClr val="6C6C6C"/>
-                </a:solidFill>
-                <a:latin typeface="Calibri"/>
-                <a:ea typeface="Calibri"/>
-                <a:cs typeface="Calibri"/>
-                <a:sym typeface="Calibri"/>
-              </a:rPr>
-              <a:t>energy</a:t>
-            </a:r>
-            <a:r>
-              <a:rPr lang="es-CO" b="0" dirty="0" smtClean="0">
-                <a:solidFill>
-                  <a:srgbClr val="6C6C6C"/>
-                </a:solidFill>
-                <a:latin typeface="Calibri"/>
-                <a:ea typeface="Calibri"/>
-                <a:cs typeface="Calibri"/>
-                <a:sym typeface="Calibri"/>
-              </a:rPr>
-              <a:t> </a:t>
-            </a:r>
-            <a:r>
-              <a:rPr lang="es-CO" b="0" dirty="0" err="1" smtClean="0">
-                <a:solidFill>
-                  <a:srgbClr val="6C6C6C"/>
-                </a:solidFill>
-                <a:latin typeface="Calibri"/>
-                <a:ea typeface="Calibri"/>
-                <a:cs typeface="Calibri"/>
-                <a:sym typeface="Calibri"/>
-              </a:rPr>
-              <a:t>saving</a:t>
-            </a:r>
-            <a:r>
-              <a:rPr lang="es-CO" b="0" dirty="0" smtClean="0">
-                <a:solidFill>
-                  <a:srgbClr val="6C6C6C"/>
-                </a:solidFill>
-                <a:latin typeface="Calibri"/>
-                <a:ea typeface="Calibri"/>
-                <a:cs typeface="Calibri"/>
-                <a:sym typeface="Calibri"/>
-              </a:rPr>
-              <a:t> </a:t>
-            </a:r>
-            <a:r>
-              <a:rPr lang="es-CO" b="0" dirty="0" err="1" smtClean="0">
-                <a:solidFill>
-                  <a:srgbClr val="6C6C6C"/>
-                </a:solidFill>
-                <a:latin typeface="Calibri"/>
-                <a:ea typeface="Calibri"/>
-                <a:cs typeface="Calibri"/>
-                <a:sym typeface="Calibri"/>
-              </a:rPr>
-              <a:t>afficiently</a:t>
-            </a:r>
-            <a:r>
-              <a:rPr lang="es-CO" b="0" dirty="0" smtClean="0">
-                <a:solidFill>
-                  <a:srgbClr val="6C6C6C"/>
-                </a:solidFill>
-                <a:latin typeface="Calibri"/>
-                <a:ea typeface="Calibri"/>
-                <a:cs typeface="Calibri"/>
-                <a:sym typeface="Calibri"/>
-              </a:rPr>
-              <a:t> and </a:t>
-            </a:r>
-            <a:r>
-              <a:rPr lang="es-CO" b="0" dirty="0" err="1" smtClean="0">
-                <a:solidFill>
-                  <a:srgbClr val="6C6C6C"/>
-                </a:solidFill>
-                <a:latin typeface="Calibri"/>
-                <a:ea typeface="Calibri"/>
-                <a:cs typeface="Calibri"/>
-                <a:sym typeface="Calibri"/>
-              </a:rPr>
-              <a:t>and</a:t>
-            </a:r>
-            <a:r>
-              <a:rPr lang="es-CO" b="0" dirty="0" smtClean="0">
-                <a:solidFill>
-                  <a:srgbClr val="6C6C6C"/>
-                </a:solidFill>
-                <a:latin typeface="Calibri"/>
-                <a:ea typeface="Calibri"/>
-                <a:cs typeface="Calibri"/>
-                <a:sym typeface="Calibri"/>
-              </a:rPr>
-              <a:t> </a:t>
-            </a:r>
-            <a:r>
-              <a:rPr lang="es-CO" b="0" dirty="0" err="1" smtClean="0">
-                <a:solidFill>
-                  <a:srgbClr val="6C6C6C"/>
-                </a:solidFill>
-                <a:latin typeface="Calibri"/>
-                <a:ea typeface="Calibri"/>
-                <a:cs typeface="Calibri"/>
-                <a:sym typeface="Calibri"/>
-              </a:rPr>
-              <a:t>effectively</a:t>
+              <a:t>La necesidad para desarrollar un sistema que permite administrar el encendido y apagado de los bombillos inteligentemente y permitir mantener un control un control de energía proporcionando reportes.</a:t>
             </a:r>
             <a:endParaRPr dirty="0"/>
           </a:p>
@@ -7056,8 +3868,8 @@
         </p:nvSpPr>
         <p:spPr>
           <a:xfrm>
-            <a:off x="3611879" y="7002154"/>
-            <a:ext cx="17832276" cy="1159932"/>
+            <a:off x="3611879" y="6748239"/>
+            <a:ext cx="17832276" cy="1667763"/>
           </a:xfrm>
           <a:prstGeom prst="rect">
             <a:avLst/>
@@ -7105,23 +3917,6 @@
               <a:tabLst/>
             </a:pPr>
             <a:r>
-              <a:rPr kumimoji="0" lang="es-ES" sz="3300" b="0" i="0" u="none" strike="noStrike" cap="none" spc="0" normalizeH="0" baseline="0" dirty="0" err="1" smtClean="0">
-                <a:ln>
-                  <a:noFill/>
-                </a:ln>
-                <a:solidFill>
-                  <a:schemeClr val="bg2"/>
-                </a:solidFill>
-                <a:effectLst/>
-                <a:uFillTx/>
-                <a:latin typeface="Calibir"/>
-                <a:ea typeface="Helvetica Neue"/>
-                <a:cs typeface="Calibir"/>
-                <a:sym typeface="Helvetica Neue"/>
-              </a:rPr>
-              <a:t>Develop</a:t>
-            </a:r>
-            <a:r>
               <a:rPr kumimoji="0" lang="es-ES" sz="3300" b="0" i="0" u="none" strike="noStrike" cap="none" spc="0" normalizeH="0" baseline="0" dirty="0" smtClean="0">
                 <a:ln>
                   <a:noFill/>
@@ -7136,58 +3931,7 @@
                 <a:cs typeface="Calibir"/>
                 <a:sym typeface="Helvetica Neue"/>
               </a:rPr>
-              <a:t> a </a:t>
-            </a:r>
-            <a:r>
-              <a:rPr kumimoji="0" lang="es-ES" sz="3300" b="0" i="0" u="none" strike="noStrike" cap="none" spc="0" normalizeH="0" baseline="0" dirty="0" err="1" smtClean="0">
-                <a:ln>
-                  <a:noFill/>
-                </a:ln>
-                <a:solidFill>
-                  <a:schemeClr val="bg2"/>
-                </a:solidFill>
-                <a:effectLst/>
-                <a:uFillTx/>
-                <a:latin typeface="Calibir"/>
-                <a:ea typeface="Helvetica Neue"/>
-                <a:cs typeface="Calibir"/>
-                <a:sym typeface="Helvetica Neue"/>
-              </a:rPr>
-              <a:t>system</a:t>
-            </a:r>
-            <a:r>
-              <a:rPr kumimoji="0" lang="es-ES" sz="3300" b="0" i="0" u="none" strike="noStrike" cap="none" spc="0" normalizeH="0" baseline="0" dirty="0" smtClean="0">
-                <a:ln>
-                  <a:noFill/>
-                </a:ln>
-                <a:solidFill>
-                  <a:schemeClr val="bg2"/>
-                </a:solidFill>
-                <a:effectLst/>
-                <a:uFillTx/>
-                <a:latin typeface="Calibir"/>
-                <a:ea typeface="Helvetica Neue"/>
-                <a:cs typeface="Calibir"/>
-                <a:sym typeface="Helvetica Neue"/>
-              </a:rPr>
-              <a:t> </a:t>
-            </a:r>
-            <a:r>
-              <a:rPr kumimoji="0" lang="es-ES" sz="3300" b="0" i="0" u="none" strike="noStrike" cap="none" spc="0" normalizeH="0" baseline="0" dirty="0" err="1" smtClean="0">
-                <a:ln>
-                  <a:noFill/>
-                </a:ln>
-                <a:solidFill>
-                  <a:schemeClr val="bg2"/>
-                </a:solidFill>
-                <a:effectLst/>
-                <a:uFillTx/>
-                <a:latin typeface="Calibir"/>
-                <a:ea typeface="Helvetica Neue"/>
-                <a:cs typeface="Calibir"/>
-                <a:sym typeface="Helvetica Neue"/>
-              </a:rPr>
-              <a:t>that</a:t>
+              <a:t>Permitir</a:t>
             </a:r>
             <a:r>
               <a:rPr kumimoji="0" lang="es-ES" sz="3300" b="0" i="0" u="none" strike="noStrike" cap="none" spc="0" normalizeH="0" dirty="0" smtClean="0">
@@ -7204,455 +3948,33 @@
                 <a:cs typeface="Calibir"/>
                 <a:sym typeface="Helvetica Neue"/>
               </a:rPr>
-              <a:t> </a:t>
+              <a:t> la administración de las luces del hogar de una manera inteligente y eficiente desde cualquier lugar a través de distintos métodos de conexión.</a:t>
             </a:r>
-            <a:r>
-              <a:rPr kumimoji="0" lang="es-ES" sz="3300" b="0" i="0" u="none" strike="noStrike" cap="none" spc="0" normalizeH="0" dirty="0" err="1" smtClean="0">
-                <a:ln>
-                  <a:noFill/>
-                </a:ln>
-                <a:solidFill>
-                  <a:schemeClr val="bg2"/>
-                </a:solidFill>
-                <a:effectLst/>
-                <a:uFillTx/>
-                <a:latin typeface="Calibir"/>
-                <a:ea typeface="Helvetica Neue"/>
-                <a:cs typeface="Calibir"/>
-                <a:sym typeface="Helvetica Neue"/>
-              </a:rPr>
-              <a:t>allows</a:t>
-            </a:r>
-            <a:r>
-              <a:rPr kumimoji="0" lang="es-ES" sz="3300" b="0" i="0" u="none" strike="noStrike" cap="none" spc="0" normalizeH="0" dirty="0" smtClean="0">
-                <a:ln>
-                  <a:noFill/>
-                </a:ln>
-                <a:solidFill>
-                  <a:schemeClr val="bg2"/>
-                </a:solidFill>
-                <a:effectLst/>
-                <a:uFillTx/>
-                <a:latin typeface="Calibir"/>
-                <a:ea typeface="Helvetica Neue"/>
-                <a:cs typeface="Calibir"/>
-                <a:sym typeface="Helvetica Neue"/>
-              </a:rPr>
-              <a:t> to </a:t>
-            </a:r>
-            <a:r>
-              <a:rPr kumimoji="0" lang="es-ES" sz="3300" b="0" i="0" u="none" strike="noStrike" cap="none" spc="0" normalizeH="0" dirty="0" err="1" smtClean="0">
-                <a:ln>
-                  <a:noFill/>
-                </a:ln>
-                <a:solidFill>
-                  <a:schemeClr val="bg2"/>
-                </a:solidFill>
-                <a:effectLst/>
-                <a:uFillTx/>
-                <a:latin typeface="Calibir"/>
-                <a:ea typeface="Helvetica Neue"/>
-                <a:cs typeface="Calibir"/>
-                <a:sym typeface="Helvetica Neue"/>
-              </a:rPr>
-              <a:t>manage</a:t>
-            </a:r>
-            <a:r>
-              <a:rPr kumimoji="0" lang="es-ES" sz="3300" b="0" i="0" u="none" strike="noStrike" cap="none" spc="0" normalizeH="0" dirty="0" smtClean="0">
-                <a:ln>
-                  <a:noFill/>
-                </a:ln>
-                <a:solidFill>
-                  <a:schemeClr val="bg2"/>
-                </a:solidFill>
-                <a:effectLst/>
-                <a:uFillTx/>
-                <a:latin typeface="Calibir"/>
-                <a:ea typeface="Helvetica Neue"/>
-                <a:cs typeface="Calibir"/>
-                <a:sym typeface="Helvetica Neue"/>
-              </a:rPr>
-              <a:t> </a:t>
-            </a:r>
-            <a:r>
-              <a:rPr kumimoji="0" lang="es-ES" sz="3300" b="0" i="0" u="none" strike="noStrike" cap="none" spc="0" normalizeH="0" dirty="0" err="1" smtClean="0">
-                <a:ln>
-                  <a:noFill/>
-                </a:ln>
-                <a:solidFill>
-                  <a:schemeClr val="bg2"/>
-                </a:solidFill>
-                <a:effectLst/>
-                <a:uFillTx/>
-                <a:latin typeface="Calibir"/>
-                <a:ea typeface="Helvetica Neue"/>
-                <a:cs typeface="Calibir"/>
-                <a:sym typeface="Helvetica Neue"/>
-              </a:rPr>
-              <a:t>bulbs</a:t>
-            </a:r>
-            <a:r>
-              <a:rPr kumimoji="0" lang="es-ES" sz="3300" b="0" i="0" u="none" strike="noStrike" cap="none" spc="0" normalizeH="0" dirty="0" smtClean="0">
-                <a:ln>
-                  <a:noFill/>
-                </a:ln>
-                <a:solidFill>
-                  <a:schemeClr val="bg2"/>
-                </a:solidFill>
-                <a:effectLst/>
-                <a:uFillTx/>
-                <a:latin typeface="Calibir"/>
-                <a:ea typeface="Helvetica Neue"/>
-                <a:cs typeface="Calibir"/>
-                <a:sym typeface="Helvetica Neue"/>
-              </a:rPr>
-              <a:t> in </a:t>
-            </a:r>
-            <a:r>
-              <a:rPr kumimoji="0" lang="es-ES" sz="3300" b="0" i="0" u="none" strike="noStrike" cap="none" spc="0" normalizeH="0" dirty="0" err="1" smtClean="0">
-                <a:ln>
-                  <a:noFill/>
-                </a:ln>
-                <a:solidFill>
-                  <a:schemeClr val="bg2"/>
-                </a:solidFill>
-                <a:effectLst/>
-                <a:uFillTx/>
-                <a:latin typeface="Calibir"/>
-                <a:ea typeface="Helvetica Neue"/>
-                <a:cs typeface="Calibir"/>
-                <a:sym typeface="Helvetica Neue"/>
-              </a:rPr>
-              <a:t>an</a:t>
-            </a:r>
-            <a:r>
-              <a:rPr kumimoji="0" lang="es-ES" sz="3300" b="0" i="0" u="none" strike="noStrike" cap="none" spc="0" normalizeH="0" dirty="0" smtClean="0">
-                <a:ln>
-                  <a:noFill/>
-                </a:ln>
-                <a:solidFill>
-                  <a:schemeClr val="bg2"/>
-                </a:solidFill>
-                <a:effectLst/>
-                <a:uFillTx/>
-                <a:latin typeface="Calibir"/>
-                <a:ea typeface="Helvetica Neue"/>
-                <a:cs typeface="Calibir"/>
-                <a:sym typeface="Helvetica Neue"/>
-              </a:rPr>
-              <a:t> </a:t>
-            </a:r>
-            <a:r>
-              <a:rPr kumimoji="0" lang="es-ES" sz="3300" b="0" i="0" u="none" strike="noStrike" cap="none" spc="0" normalizeH="0" dirty="0" err="1" smtClean="0">
-                <a:ln>
-                  <a:noFill/>
-                </a:ln>
-                <a:solidFill>
-                  <a:schemeClr val="bg2"/>
-                </a:solidFill>
-                <a:effectLst/>
-                <a:uFillTx/>
-                <a:latin typeface="Calibir"/>
-                <a:ea typeface="Helvetica Neue"/>
-                <a:cs typeface="Calibir"/>
-                <a:sym typeface="Helvetica Neue"/>
-              </a:rPr>
-              <a:t>intelligent</a:t>
-            </a:r>
-            <a:r>
-              <a:rPr kumimoji="0" lang="es-ES" sz="3300" b="0" i="0" u="none" strike="noStrike" cap="none" spc="0" normalizeH="0" dirty="0" smtClean="0">
-                <a:ln>
-                  <a:noFill/>
-                </a:ln>
-                <a:solidFill>
-                  <a:schemeClr val="bg2"/>
-                </a:solidFill>
-                <a:effectLst/>
-                <a:uFillTx/>
-                <a:latin typeface="Calibir"/>
-                <a:ea typeface="Helvetica Neue"/>
-                <a:cs typeface="Calibir"/>
-                <a:sym typeface="Helvetica Neue"/>
-              </a:rPr>
-              <a:t> and </a:t>
-            </a:r>
-            <a:r>
-              <a:rPr kumimoji="0" lang="es-ES" sz="3300" b="0" i="0" u="none" strike="noStrike" cap="none" spc="0" normalizeH="0" dirty="0" err="1" smtClean="0">
-                <a:ln>
-                  <a:noFill/>
-                </a:ln>
-                <a:solidFill>
-                  <a:schemeClr val="bg2"/>
-                </a:solidFill>
-                <a:effectLst/>
-                <a:uFillTx/>
-                <a:latin typeface="Calibir"/>
-                <a:ea typeface="Helvetica Neue"/>
-                <a:cs typeface="Calibir"/>
-                <a:sym typeface="Helvetica Neue"/>
-              </a:rPr>
-              <a:t>efficient</a:t>
-            </a:r>
-            <a:r>
-              <a:rPr kumimoji="0" lang="es-ES" sz="3300" b="0" i="0" u="none" strike="noStrike" cap="none" spc="0" normalizeH="0" dirty="0" smtClean="0">
-                <a:ln>
-                  <a:noFill/>
-                </a:ln>
-                <a:solidFill>
-                  <a:schemeClr val="bg2"/>
-                </a:solidFill>
-                <a:effectLst/>
-                <a:uFillTx/>
-                <a:latin typeface="Calibir"/>
-                <a:ea typeface="Helvetica Neue"/>
-                <a:cs typeface="Calibir"/>
-                <a:sym typeface="Helvetica Neue"/>
-              </a:rPr>
-              <a:t> </a:t>
-            </a:r>
-            <a:r>
-              <a:rPr kumimoji="0" lang="es-ES" sz="3300" b="0" i="0" u="none" strike="noStrike" cap="none" spc="0" normalizeH="0" dirty="0" err="1" smtClean="0">
-                <a:ln>
-                  <a:noFill/>
-                </a:ln>
-                <a:solidFill>
-                  <a:schemeClr val="bg2"/>
-                </a:solidFill>
-                <a:effectLst/>
-                <a:uFillTx/>
-                <a:latin typeface="Calibir"/>
-                <a:ea typeface="Helvetica Neue"/>
-                <a:cs typeface="Calibir"/>
-                <a:sym typeface="Helvetica Neue"/>
-              </a:rPr>
-              <a:t>way</a:t>
-            </a:r>
-            <a:r>
-              <a:rPr kumimoji="0" lang="es-ES" sz="3300" b="0" i="0" u="none" strike="noStrike" cap="none" spc="0" normalizeH="0" dirty="0" smtClean="0">
-                <a:ln>
-                  <a:noFill/>
-                </a:ln>
-                <a:solidFill>
-                  <a:schemeClr val="bg2"/>
-                </a:solidFill>
-                <a:effectLst/>
-                <a:uFillTx/>
-                <a:latin typeface="Calibir"/>
-                <a:ea typeface="Helvetica Neue"/>
-                <a:cs typeface="Calibir"/>
-                <a:sym typeface="Helvetica Neue"/>
-              </a:rPr>
-              <a:t>, and </a:t>
-            </a:r>
-            <a:r>
-              <a:rPr kumimoji="0" lang="es-ES" sz="3300" b="0" i="0" u="none" strike="noStrike" cap="none" spc="0" normalizeH="0" dirty="0" err="1" smtClean="0">
-                <a:ln>
-                  <a:noFill/>
-                </a:ln>
-                <a:solidFill>
-                  <a:schemeClr val="bg2"/>
-                </a:solidFill>
-                <a:effectLst/>
-                <a:uFillTx/>
-                <a:latin typeface="Calibir"/>
-                <a:ea typeface="Helvetica Neue"/>
-                <a:cs typeface="Calibir"/>
-                <a:sym typeface="Helvetica Neue"/>
-              </a:rPr>
-              <a:t>additionally</a:t>
-            </a:r>
-            <a:r>
-              <a:rPr kumimoji="0" lang="es-ES" sz="3300" b="0" i="0" u="none" strike="noStrike" cap="none" spc="0" normalizeH="0" dirty="0" smtClean="0">
-                <a:ln>
-                  <a:noFill/>
-                </a:ln>
-                <a:solidFill>
-                  <a:schemeClr val="bg2"/>
-                </a:solidFill>
-                <a:effectLst/>
-                <a:uFillTx/>
-                <a:latin typeface="Calibir"/>
-                <a:ea typeface="Helvetica Neue"/>
-                <a:cs typeface="Calibir"/>
-                <a:sym typeface="Helvetica Neue"/>
-              </a:rPr>
-              <a:t> </a:t>
-            </a:r>
-            <a:r>
-              <a:rPr kumimoji="0" lang="es-ES" sz="3300" b="0" i="0" u="none" strike="noStrike" cap="none" spc="0" normalizeH="0" dirty="0" err="1" smtClean="0">
-                <a:ln>
-                  <a:noFill/>
-                </a:ln>
-                <a:solidFill>
-                  <a:schemeClr val="bg2"/>
-                </a:solidFill>
-                <a:effectLst/>
-                <a:uFillTx/>
-                <a:latin typeface="Calibir"/>
-                <a:ea typeface="Helvetica Neue"/>
-                <a:cs typeface="Calibir"/>
-                <a:sym typeface="Helvetica Neue"/>
-              </a:rPr>
-              <a:t>motivate</a:t>
-            </a:r>
-            <a:r>
-              <a:rPr kumimoji="0" lang="es-ES" sz="3300" b="0" i="0" u="none" strike="noStrike" cap="none" spc="0" normalizeH="0" dirty="0" smtClean="0">
-                <a:ln>
-                  <a:noFill/>
-                </a:ln>
-                <a:solidFill>
-                  <a:schemeClr val="bg2"/>
-                </a:solidFill>
-                <a:effectLst/>
-                <a:uFillTx/>
-                <a:latin typeface="Calibir"/>
-                <a:ea typeface="Helvetica Neue"/>
-                <a:cs typeface="Calibir"/>
-                <a:sym typeface="Helvetica Neue"/>
-              </a:rPr>
-              <a:t> </a:t>
-            </a:r>
-            <a:r>
-              <a:rPr kumimoji="0" lang="es-ES" sz="3300" b="0" i="0" u="none" strike="noStrike" cap="none" spc="0" normalizeH="0" dirty="0" err="1" smtClean="0">
-                <a:ln>
-                  <a:noFill/>
-                </a:ln>
-                <a:solidFill>
-                  <a:schemeClr val="bg2"/>
-                </a:solidFill>
-                <a:effectLst/>
-                <a:uFillTx/>
-                <a:latin typeface="Calibir"/>
-                <a:ea typeface="Helvetica Neue"/>
-                <a:cs typeface="Calibir"/>
-                <a:sym typeface="Helvetica Neue"/>
-              </a:rPr>
-              <a:t>homes</a:t>
-            </a:r>
-            <a:r>
-              <a:rPr kumimoji="0" lang="es-ES" sz="3300" b="0" i="0" u="none" strike="noStrike" cap="none" spc="0" normalizeH="0" dirty="0" smtClean="0">
-                <a:ln>
-                  <a:noFill/>
-                </a:ln>
-                <a:solidFill>
-                  <a:schemeClr val="bg2"/>
-                </a:solidFill>
-                <a:effectLst/>
-                <a:uFillTx/>
-                <a:latin typeface="Calibir"/>
-                <a:ea typeface="Helvetica Neue"/>
-                <a:cs typeface="Calibir"/>
-                <a:sym typeface="Helvetica Neue"/>
-              </a:rPr>
-              <a:t> and </a:t>
-            </a:r>
-            <a:r>
-              <a:rPr kumimoji="0" lang="es-ES" sz="3300" b="0" i="0" u="none" strike="noStrike" cap="none" spc="0" normalizeH="0" dirty="0" err="1" smtClean="0">
-                <a:ln>
-                  <a:noFill/>
-                </a:ln>
-                <a:solidFill>
-                  <a:schemeClr val="bg2"/>
-                </a:solidFill>
-                <a:effectLst/>
-                <a:uFillTx/>
-                <a:latin typeface="Calibir"/>
-                <a:ea typeface="Helvetica Neue"/>
-                <a:cs typeface="Calibir"/>
-                <a:sym typeface="Helvetica Neue"/>
-              </a:rPr>
-              <a:t>stablish</a:t>
-            </a:r>
-            <a:r>
-              <a:rPr lang="es-ES" sz="3300" b="0" dirty="0" err="1" smtClean="0">
-                <a:solidFill>
-                  <a:schemeClr val="bg2"/>
-                </a:solidFill>
-                <a:latin typeface="Calibir"/>
-                <a:cs typeface="Calibir"/>
-              </a:rPr>
-              <a:t>ments</a:t>
-            </a:r>
-            <a:r>
-              <a:rPr lang="es-ES" sz="3300" b="0" dirty="0" smtClean="0">
-                <a:solidFill>
-                  <a:schemeClr val="bg2"/>
-                </a:solidFill>
-                <a:latin typeface="Calibir"/>
-                <a:cs typeface="Calibir"/>
-              </a:rPr>
-              <a:t> to be </a:t>
-            </a:r>
-            <a:r>
-              <a:rPr lang="es-ES" sz="3300" b="0" dirty="0" err="1" smtClean="0">
-                <a:solidFill>
-                  <a:schemeClr val="bg2"/>
-                </a:solidFill>
-                <a:latin typeface="Calibir"/>
-                <a:cs typeface="Calibir"/>
-              </a:rPr>
-              <a:t>part</a:t>
-            </a:r>
-            <a:r>
-              <a:rPr lang="es-ES" sz="3300" b="0" dirty="0" smtClean="0">
-                <a:solidFill>
-                  <a:schemeClr val="bg2"/>
-                </a:solidFill>
-                <a:latin typeface="Calibir"/>
-                <a:cs typeface="Calibir"/>
-              </a:rPr>
-              <a:t> of </a:t>
-            </a:r>
-            <a:r>
-              <a:rPr lang="es-ES" sz="3300" b="0" dirty="0" err="1" smtClean="0">
-                <a:solidFill>
-                  <a:schemeClr val="bg2"/>
-                </a:solidFill>
-                <a:latin typeface="Calibir"/>
-                <a:cs typeface="Calibir"/>
-              </a:rPr>
-              <a:t>the</a:t>
-            </a:r>
-            <a:r>
-              <a:rPr lang="es-ES" sz="3300" b="0" dirty="0" smtClean="0">
-                <a:solidFill>
-                  <a:schemeClr val="bg2"/>
-                </a:solidFill>
-                <a:latin typeface="Calibir"/>
-                <a:cs typeface="Calibir"/>
-              </a:rPr>
-              <a:t> </a:t>
-            </a:r>
-            <a:r>
-              <a:rPr lang="es-ES" sz="3300" b="0" dirty="0" err="1" smtClean="0">
-                <a:solidFill>
-                  <a:schemeClr val="bg2"/>
-                </a:solidFill>
-                <a:latin typeface="Calibir"/>
-                <a:cs typeface="Calibir"/>
-              </a:rPr>
-              <a:t>fourth</a:t>
-            </a:r>
-            <a:r>
-              <a:rPr lang="es-ES" sz="3300" b="0" dirty="0" smtClean="0">
-                <a:solidFill>
-                  <a:schemeClr val="bg2"/>
-                </a:solidFill>
-                <a:latin typeface="Calibir"/>
-                <a:cs typeface="Calibir"/>
-              </a:rPr>
-              <a:t> Industrial </a:t>
-            </a:r>
-            <a:r>
-              <a:rPr lang="es-ES" sz="3300" b="0" dirty="0" err="1" smtClean="0">
-                <a:solidFill>
-                  <a:schemeClr val="bg2"/>
-                </a:solidFill>
-                <a:latin typeface="Calibir"/>
-                <a:cs typeface="Calibir"/>
-              </a:rPr>
-              <a:t>Revolution</a:t>
-            </a:r>
+            <a:endParaRPr lang="es-ES" sz="3300" b="0" dirty="0" smtClean="0">
+              <a:solidFill>
+                <a:schemeClr val="bg2"/>
+              </a:solidFill>
+              <a:latin typeface="Calibir"/>
+              <a:cs typeface="Calibir"/>
+            </a:endParaRPr>
+          </a:p>
+          <a:p>
+            <a:pPr marL="0" marR="0" indent="0" algn="just" defTabSz="943239" rtl="0" fontAlgn="auto" latinLnBrk="0" hangingPunct="0">
+              <a:lnSpc>
+                <a:spcPct val="100000"/>
+              </a:lnSpc>
+              <a:spcBef>
+                <a:spcPts val="0"/>
+              </a:spcBef>
+              <a:spcAft>
+                <a:spcPts val="0"/>
+              </a:spcAft>
+              <a:buClrTx/>
+              <a:buSzTx/>
+              <a:buFontTx/>
+              <a:buNone/>
+              <a:tabLst/>
+            </a:pPr>
             <a:endParaRPr kumimoji="0" lang="es-ES" sz="3300" b="1" i="0" u="none" strike="noStrike" cap="none" spc="0" normalizeH="0" baseline="0" dirty="0">
               <a:ln>
                 <a:noFill/>
@@ -7739,8 +4061,8 @@
         </p:nvSpPr>
         <p:spPr>
           <a:xfrm>
-            <a:off x="910866" y="2215"/>
-            <a:ext cx="10592875" cy="2290069"/>
+            <a:off x="564709" y="-69974"/>
+            <a:ext cx="7292688" cy="2290069"/>
           </a:xfrm>
           <a:prstGeom prst="rect">
             <a:avLst/>
@@ -7776,16 +4098,8 @@
           </a:lstStyle>
           <a:p>
             <a:r>
-              <a:rPr lang="es-CO" dirty="0" err="1" smtClean="0"/>
-              <a:t>Specific</a:t>
-            </a:r>
-            <a:r>
               <a:rPr lang="es-CO" dirty="0" smtClean="0"/>
-              <a:t> Objetives</a:t>
-            </a:r>
-            <a:r>
-              <a:rPr dirty="0" smtClean="0"/>
-              <a:t> </a:t>
+              <a:t>Objetivos</a:t>
             </a:r>
             <a:endParaRPr dirty="0"/>
           </a:p>
@@ -7885,208 +4199,14 @@
               <a:tabLst/>
             </a:pPr>
             <a:r>
-              <a:rPr kumimoji="0" lang="es-ES" sz="3300" b="0" i="0" u="none" strike="noStrike" cap="none" spc="0" normalizeH="0" baseline="0" dirty="0" err="1" smtClean="0">
-                <a:ln>
-                  <a:noFill/>
-                </a:ln>
+              <a:rPr lang="es-ES" sz="3300" b="0" dirty="0" smtClean="0">
                 <a:solidFill>
                   <a:schemeClr val="bg2"/>
                 </a:solidFill>
-                <a:effectLst/>
-                <a:uFillTx/>
                 <a:latin typeface="Calibir"/>
-                <a:ea typeface="Helvetica Neue"/>
                 <a:cs typeface="Calibir"/>
-                <a:sym typeface="Helvetica Neue"/>
               </a:rPr>
-              <a:t>Promote</a:t>
-            </a:r>
-            <a:r>
-              <a:rPr kumimoji="0" lang="es-ES" sz="3300" b="0" i="0" u="none" strike="noStrike" cap="none" spc="0" normalizeH="0" baseline="0" dirty="0" smtClean="0">
-                <a:ln>
-                  <a:noFill/>
-                </a:ln>
-                <a:solidFill>
-                  <a:schemeClr val="bg2"/>
-                </a:solidFill>
-                <a:effectLst/>
-                <a:uFillTx/>
-                <a:latin typeface="Calibir"/>
-                <a:ea typeface="Helvetica Neue"/>
-                <a:cs typeface="Calibir"/>
-                <a:sym typeface="Helvetica Neue"/>
-              </a:rPr>
-              <a:t> </a:t>
-            </a:r>
-            <a:r>
-              <a:rPr kumimoji="0" lang="es-ES" sz="3300" b="0" i="0" u="none" strike="noStrike" cap="none" spc="0" normalizeH="0" baseline="0" dirty="0" err="1" smtClean="0">
-                <a:ln>
-                  <a:noFill/>
-                </a:ln>
-                <a:solidFill>
-                  <a:schemeClr val="bg2"/>
-                </a:solidFill>
-                <a:effectLst/>
-                <a:uFillTx/>
-                <a:latin typeface="Calibir"/>
-                <a:ea typeface="Helvetica Neue"/>
-                <a:cs typeface="Calibir"/>
-                <a:sym typeface="Helvetica Neue"/>
-              </a:rPr>
-              <a:t>the</a:t>
-            </a:r>
-            <a:r>
-              <a:rPr kumimoji="0" lang="es-ES" sz="3300" b="0" i="0" u="none" strike="noStrike" cap="none" spc="0" normalizeH="0" baseline="0" dirty="0" smtClean="0">
-                <a:ln>
-                  <a:noFill/>
-                </a:ln>
-                <a:solidFill>
-                  <a:schemeClr val="bg2"/>
-                </a:solidFill>
-                <a:effectLst/>
-                <a:uFillTx/>
-                <a:latin typeface="Calibir"/>
-                <a:ea typeface="Helvetica Neue"/>
-                <a:cs typeface="Calibir"/>
-                <a:sym typeface="Helvetica Neue"/>
-              </a:rPr>
-              <a:t> </a:t>
-            </a:r>
-            <a:r>
-              <a:rPr kumimoji="0" lang="es-ES" sz="3300" b="0" i="0" u="none" strike="noStrike" cap="none" spc="0" normalizeH="0" baseline="0" dirty="0" err="1" smtClean="0">
-                <a:ln>
-                  <a:noFill/>
-                </a:ln>
-                <a:solidFill>
-                  <a:schemeClr val="bg2"/>
-                </a:solidFill>
-                <a:effectLst/>
-                <a:uFillTx/>
-                <a:latin typeface="Calibir"/>
-                <a:ea typeface="Helvetica Neue"/>
-                <a:cs typeface="Calibir"/>
-                <a:sym typeface="Helvetica Neue"/>
-              </a:rPr>
-              <a:t>adaptation</a:t>
-            </a:r>
-            <a:r>
-              <a:rPr kumimoji="0" lang="es-ES" sz="3300" b="0" i="0" u="none" strike="noStrike" cap="none" spc="0" normalizeH="0" baseline="0" dirty="0" smtClean="0">
-                <a:ln>
-                  <a:noFill/>
-                </a:ln>
-                <a:solidFill>
-                  <a:schemeClr val="bg2"/>
-                </a:solidFill>
-                <a:effectLst/>
-                <a:uFillTx/>
-                <a:latin typeface="Calibir"/>
-                <a:ea typeface="Helvetica Neue"/>
-                <a:cs typeface="Calibir"/>
-                <a:sym typeface="Helvetica Neue"/>
-              </a:rPr>
-              <a:t> of </a:t>
-            </a:r>
-            <a:r>
-              <a:rPr kumimoji="0" lang="es-ES" sz="3300" b="0" i="0" u="none" strike="noStrike" cap="none" spc="0" normalizeH="0" baseline="0" dirty="0" err="1" smtClean="0">
-                <a:ln>
-                  <a:noFill/>
-                </a:ln>
-                <a:solidFill>
-                  <a:schemeClr val="bg2"/>
-                </a:solidFill>
-                <a:effectLst/>
-                <a:uFillTx/>
-                <a:latin typeface="Calibir"/>
-                <a:ea typeface="Helvetica Neue"/>
-                <a:cs typeface="Calibir"/>
-                <a:sym typeface="Helvetica Neue"/>
-              </a:rPr>
-              <a:t>homes</a:t>
-            </a:r>
-            <a:r>
-              <a:rPr kumimoji="0" lang="es-ES" sz="3300" b="0" i="0" u="none" strike="noStrike" cap="none" spc="0" normalizeH="0" baseline="0" dirty="0" smtClean="0">
-                <a:ln>
-                  <a:noFill/>
-                </a:ln>
-                <a:solidFill>
-                  <a:schemeClr val="bg2"/>
-                </a:solidFill>
-                <a:effectLst/>
-                <a:uFillTx/>
-                <a:latin typeface="Calibir"/>
-                <a:ea typeface="Helvetica Neue"/>
-                <a:cs typeface="Calibir"/>
-                <a:sym typeface="Helvetica Neue"/>
-              </a:rPr>
-              <a:t> to </a:t>
-            </a:r>
-            <a:r>
-              <a:rPr kumimoji="0" lang="es-ES" sz="3300" b="0" i="0" u="none" strike="noStrike" cap="none" spc="0" normalizeH="0" baseline="0" dirty="0" err="1" smtClean="0">
-                <a:ln>
-                  <a:noFill/>
-                </a:ln>
-                <a:solidFill>
-                  <a:schemeClr val="bg2"/>
-                </a:solidFill>
-                <a:effectLst/>
-                <a:uFillTx/>
-                <a:latin typeface="Calibir"/>
-                <a:ea typeface="Helvetica Neue"/>
-                <a:cs typeface="Calibir"/>
-                <a:sym typeface="Helvetica Neue"/>
-              </a:rPr>
-              <a:t>the</a:t>
-            </a:r>
-            <a:r>
-              <a:rPr kumimoji="0" lang="es-ES" sz="3300" b="0" i="0" u="none" strike="noStrike" cap="none" spc="0" normalizeH="0" baseline="0" dirty="0" smtClean="0">
-                <a:ln>
-                  <a:noFill/>
-                </a:ln>
-                <a:solidFill>
-                  <a:schemeClr val="bg2"/>
-                </a:solidFill>
-                <a:effectLst/>
-                <a:uFillTx/>
-                <a:latin typeface="Calibir"/>
-                <a:ea typeface="Helvetica Neue"/>
-                <a:cs typeface="Calibir"/>
-                <a:sym typeface="Helvetica Neue"/>
-              </a:rPr>
-              <a:t> new industrial </a:t>
-            </a:r>
-            <a:r>
-              <a:rPr kumimoji="0" lang="es-ES" sz="3300" b="0" i="0" u="none" strike="noStrike" cap="none" spc="0" normalizeH="0" baseline="0" dirty="0" err="1" smtClean="0">
-                <a:ln>
-                  <a:noFill/>
-                </a:ln>
-                <a:solidFill>
-                  <a:schemeClr val="bg2"/>
-                </a:solidFill>
-                <a:effectLst/>
-                <a:uFillTx/>
-                <a:latin typeface="Calibir"/>
-                <a:ea typeface="Helvetica Neue"/>
-                <a:cs typeface="Calibir"/>
-                <a:sym typeface="Helvetica Neue"/>
-              </a:rPr>
-              <a:t>revolution</a:t>
-            </a:r>
-            <a:r>
-              <a:rPr kumimoji="0" lang="es-ES" sz="3300" b="0" i="0" u="none" strike="noStrike" cap="none" spc="0" normalizeH="0" baseline="0" dirty="0" smtClean="0">
-                <a:ln>
-                  <a:noFill/>
-                </a:ln>
-                <a:solidFill>
-                  <a:schemeClr val="bg2"/>
-                </a:solidFill>
-                <a:effectLst/>
-                <a:uFillTx/>
-                <a:latin typeface="Calibir"/>
-                <a:ea typeface="Helvetica Neue"/>
-                <a:cs typeface="Calibir"/>
-                <a:sym typeface="Helvetica Neue"/>
-              </a:rPr>
-              <a:t>.</a:t>
+              <a:t>Promover la adaptación de los hogares a la nueva revolución industrial</a:t>
             </a:r>
             <a:endParaRPr kumimoji="0" lang="es-ES" sz="3300" b="1" i="0" u="none" strike="noStrike" cap="none" spc="0" normalizeH="0" baseline="0" dirty="0">
               <a:ln>
@@ -8113,8 +4233,8 @@
         </p:nvSpPr>
         <p:spPr>
           <a:xfrm>
-            <a:off x="2208766" y="6089093"/>
-            <a:ext cx="17832276" cy="652101"/>
+            <a:off x="2208766" y="5835178"/>
+            <a:ext cx="17832276" cy="1159932"/>
           </a:xfrm>
           <a:prstGeom prst="rect">
             <a:avLst/>
@@ -8162,293 +4282,24 @@
               <a:tabLst/>
             </a:pPr>
             <a:r>
-              <a:rPr kumimoji="0" lang="es-ES" sz="3300" b="0" i="0" u="none" strike="noStrike" cap="none" spc="0" normalizeH="0" baseline="0" dirty="0" err="1" smtClean="0">
-                <a:ln>
-                  <a:noFill/>
-                </a:ln>
+              <a:rPr lang="es-ES" sz="3300" b="0" baseline="0" dirty="0" smtClean="0">
                 <a:solidFill>
                   <a:schemeClr val="bg2"/>
                 </a:solidFill>
-                <a:effectLst/>
-                <a:uFillTx/>
                 <a:latin typeface="Calibir"/>
-                <a:ea typeface="Helvetica Neue"/>
                 <a:cs typeface="Calibir"/>
-                <a:sym typeface="Helvetica Neue"/>
               </a:rPr>
-              <a:t>Facilitate</a:t>
+              <a:t>Facilitar el acceso de</a:t>
             </a:r>
             <a:r>
-              <a:rPr kumimoji="0" lang="es-ES" sz="3300" b="0" i="0" u="none" strike="noStrike" cap="none" spc="0" normalizeH="0" baseline="0" dirty="0" smtClean="0">
-                <a:ln>
-                  <a:noFill/>
-                </a:ln>
+              <a:rPr lang="es-ES" sz="3300" b="0" dirty="0" smtClean="0">
                 <a:solidFill>
                   <a:schemeClr val="bg2"/>
                 </a:solidFill>
-                <a:effectLst/>
-                <a:uFillTx/>
                 <a:latin typeface="Calibir"/>
-                <a:ea typeface="Helvetica Neue"/>
                 <a:cs typeface="Calibir"/>
-                <a:sym typeface="Helvetica Neue"/>
               </a:rPr>
-              <a:t> </a:t>
-            </a:r>
-            <a:r>
-              <a:rPr kumimoji="0" lang="es-ES" sz="3300" b="0" i="0" u="none" strike="noStrike" cap="none" spc="0" normalizeH="0" baseline="0" dirty="0" err="1" smtClean="0">
-                <a:ln>
-                  <a:noFill/>
-                </a:ln>
-                <a:solidFill>
-                  <a:schemeClr val="bg2"/>
-                </a:solidFill>
-                <a:effectLst/>
-                <a:uFillTx/>
-                <a:latin typeface="Calibir"/>
-                <a:ea typeface="Helvetica Neue"/>
-                <a:cs typeface="Calibir"/>
-                <a:sym typeface="Helvetica Neue"/>
-              </a:rPr>
-              <a:t>access</a:t>
-            </a:r>
-            <a:r>
-              <a:rPr kumimoji="0" lang="es-ES" sz="3300" b="0" i="0" u="none" strike="noStrike" cap="none" spc="0" normalizeH="0" dirty="0" smtClean="0">
-                <a:ln>
-                  <a:noFill/>
-                </a:ln>
-                <a:solidFill>
-                  <a:schemeClr val="bg2"/>
-                </a:solidFill>
-                <a:effectLst/>
-                <a:uFillTx/>
-                <a:latin typeface="Calibir"/>
-                <a:ea typeface="Helvetica Neue"/>
-                <a:cs typeface="Calibir"/>
-                <a:sym typeface="Helvetica Neue"/>
-              </a:rPr>
-              <a:t> of </a:t>
-            </a:r>
-            <a:r>
-              <a:rPr kumimoji="0" lang="es-ES" sz="3300" b="0" i="0" u="none" strike="noStrike" cap="none" spc="0" normalizeH="0" dirty="0" err="1" smtClean="0">
-                <a:ln>
-                  <a:noFill/>
-                </a:ln>
-                <a:solidFill>
-                  <a:schemeClr val="bg2"/>
-                </a:solidFill>
-                <a:effectLst/>
-                <a:uFillTx/>
-                <a:latin typeface="Calibir"/>
-                <a:ea typeface="Helvetica Neue"/>
-                <a:cs typeface="Calibir"/>
-                <a:sym typeface="Helvetica Neue"/>
-              </a:rPr>
-              <a:t>people</a:t>
-            </a:r>
-            <a:r>
-              <a:rPr kumimoji="0" lang="es-ES" sz="3300" b="0" i="0" u="none" strike="noStrike" cap="none" spc="0" normalizeH="0" dirty="0" smtClean="0">
-                <a:ln>
-                  <a:noFill/>
-                </a:ln>
-                <a:solidFill>
-                  <a:schemeClr val="bg2"/>
-                </a:solidFill>
-                <a:effectLst/>
-                <a:uFillTx/>
-                <a:latin typeface="Calibir"/>
-                <a:ea typeface="Helvetica Neue"/>
-                <a:cs typeface="Calibir"/>
-                <a:sym typeface="Helvetica Neue"/>
-              </a:rPr>
-              <a:t> </a:t>
-            </a:r>
-            <a:r>
-              <a:rPr kumimoji="0" lang="es-ES" sz="3300" b="0" i="0" u="none" strike="noStrike" cap="none" spc="0" normalizeH="0" dirty="0" err="1" smtClean="0">
-                <a:ln>
-                  <a:noFill/>
-                </a:ln>
-                <a:solidFill>
-                  <a:schemeClr val="bg2"/>
-                </a:solidFill>
-                <a:effectLst/>
-                <a:uFillTx/>
-                <a:latin typeface="Calibir"/>
-                <a:ea typeface="Helvetica Neue"/>
-                <a:cs typeface="Calibir"/>
-                <a:sym typeface="Helvetica Neue"/>
-              </a:rPr>
-              <a:t>with</a:t>
-            </a:r>
-            <a:r>
-              <a:rPr kumimoji="0" lang="es-ES" sz="3300" b="0" i="0" u="none" strike="noStrike" cap="none" spc="0" normalizeH="0" dirty="0" smtClean="0">
-                <a:ln>
-                  <a:noFill/>
-                </a:ln>
-                <a:solidFill>
-                  <a:schemeClr val="bg2"/>
-                </a:solidFill>
-                <a:effectLst/>
-                <a:uFillTx/>
-                <a:latin typeface="Calibir"/>
-                <a:ea typeface="Helvetica Neue"/>
-                <a:cs typeface="Calibir"/>
-                <a:sym typeface="Helvetica Neue"/>
-              </a:rPr>
-              <a:t> </a:t>
-            </a:r>
-            <a:r>
-              <a:rPr kumimoji="0" lang="es-ES" sz="3300" b="0" i="0" u="none" strike="noStrike" cap="none" spc="0" normalizeH="0" dirty="0" err="1" smtClean="0">
-                <a:ln>
-                  <a:noFill/>
-                </a:ln>
-                <a:solidFill>
-                  <a:schemeClr val="bg2"/>
-                </a:solidFill>
-                <a:effectLst/>
-                <a:uFillTx/>
-                <a:latin typeface="Calibir"/>
-                <a:ea typeface="Helvetica Neue"/>
-                <a:cs typeface="Calibir"/>
-                <a:sym typeface="Helvetica Neue"/>
-              </a:rPr>
-              <a:t>reduced</a:t>
-            </a:r>
-            <a:r>
-              <a:rPr kumimoji="0" lang="es-ES" sz="3300" b="0" i="0" u="none" strike="noStrike" cap="none" spc="0" normalizeH="0" dirty="0" smtClean="0">
-                <a:ln>
-                  <a:noFill/>
-                </a:ln>
-                <a:solidFill>
-                  <a:schemeClr val="bg2"/>
-                </a:solidFill>
-                <a:effectLst/>
-                <a:uFillTx/>
-                <a:latin typeface="Calibir"/>
-                <a:ea typeface="Helvetica Neue"/>
-                <a:cs typeface="Calibir"/>
-                <a:sym typeface="Helvetica Neue"/>
-              </a:rPr>
-              <a:t> </a:t>
-            </a:r>
-            <a:r>
-              <a:rPr kumimoji="0" lang="es-ES" sz="3300" b="0" i="0" u="none" strike="noStrike" cap="none" spc="0" normalizeH="0" dirty="0" err="1" smtClean="0">
-                <a:ln>
-                  <a:noFill/>
-                </a:ln>
-                <a:solidFill>
-                  <a:schemeClr val="bg2"/>
-                </a:solidFill>
-                <a:effectLst/>
-                <a:uFillTx/>
-                <a:latin typeface="Calibir"/>
-                <a:ea typeface="Helvetica Neue"/>
-                <a:cs typeface="Calibir"/>
-                <a:sym typeface="Helvetica Neue"/>
-              </a:rPr>
-              <a:t>mobility</a:t>
-            </a:r>
-            <a:r>
-              <a:rPr kumimoji="0" lang="es-ES" sz="3300" b="0" i="0" u="none" strike="noStrike" cap="none" spc="0" normalizeH="0" dirty="0" smtClean="0">
-                <a:ln>
-                  <a:noFill/>
-                </a:ln>
-                <a:solidFill>
-                  <a:schemeClr val="bg2"/>
-                </a:solidFill>
-                <a:effectLst/>
-                <a:uFillTx/>
-                <a:latin typeface="Calibir"/>
-                <a:ea typeface="Helvetica Neue"/>
-                <a:cs typeface="Calibir"/>
-                <a:sym typeface="Helvetica Neue"/>
-              </a:rPr>
-              <a:t> to </a:t>
-            </a:r>
-            <a:r>
-              <a:rPr kumimoji="0" lang="es-ES" sz="3300" b="0" i="0" u="none" strike="noStrike" cap="none" spc="0" normalizeH="0" dirty="0" err="1" smtClean="0">
-                <a:ln>
-                  <a:noFill/>
-                </a:ln>
-                <a:solidFill>
-                  <a:schemeClr val="bg2"/>
-                </a:solidFill>
-                <a:effectLst/>
-                <a:uFillTx/>
-                <a:latin typeface="Calibir"/>
-                <a:ea typeface="Helvetica Neue"/>
-                <a:cs typeface="Calibir"/>
-                <a:sym typeface="Helvetica Neue"/>
-              </a:rPr>
-              <a:t>the</a:t>
-            </a:r>
-            <a:r>
-              <a:rPr kumimoji="0" lang="es-ES" sz="3300" b="0" i="0" u="none" strike="noStrike" cap="none" spc="0" normalizeH="0" dirty="0" smtClean="0">
-                <a:ln>
-                  <a:noFill/>
-                </a:ln>
-                <a:solidFill>
-                  <a:schemeClr val="bg2"/>
-                </a:solidFill>
-                <a:effectLst/>
-                <a:uFillTx/>
-                <a:latin typeface="Calibir"/>
-                <a:ea typeface="Helvetica Neue"/>
-                <a:cs typeface="Calibir"/>
-                <a:sym typeface="Helvetica Neue"/>
-              </a:rPr>
-              <a:t> control of </a:t>
-            </a:r>
-            <a:r>
-              <a:rPr kumimoji="0" lang="es-ES" sz="3300" b="0" i="0" u="none" strike="noStrike" cap="none" spc="0" normalizeH="0" dirty="0" err="1" smtClean="0">
-                <a:ln>
-                  <a:noFill/>
-                </a:ln>
-                <a:solidFill>
-                  <a:schemeClr val="bg2"/>
-                </a:solidFill>
-                <a:effectLst/>
-                <a:uFillTx/>
-                <a:latin typeface="Calibir"/>
-                <a:ea typeface="Helvetica Neue"/>
-                <a:cs typeface="Calibir"/>
-                <a:sym typeface="Helvetica Neue"/>
-              </a:rPr>
-              <a:t>homes</a:t>
-            </a:r>
-            <a:r>
-              <a:rPr kumimoji="0" lang="es-ES" sz="3300" b="0" i="0" u="none" strike="noStrike" cap="none" spc="0" normalizeH="0" dirty="0" smtClean="0">
-                <a:ln>
-                  <a:noFill/>
-                </a:ln>
-                <a:solidFill>
-                  <a:schemeClr val="bg2"/>
-                </a:solidFill>
-                <a:effectLst/>
-                <a:uFillTx/>
-                <a:latin typeface="Calibir"/>
-                <a:ea typeface="Helvetica Neue"/>
-                <a:cs typeface="Calibir"/>
-                <a:sym typeface="Helvetica Neue"/>
-              </a:rPr>
-              <a:t> </a:t>
-            </a:r>
-            <a:r>
-              <a:rPr kumimoji="0" lang="es-ES" sz="3300" b="0" i="0" u="none" strike="noStrike" cap="none" spc="0" normalizeH="0" dirty="0" err="1" smtClean="0">
-                <a:ln>
-                  <a:noFill/>
-                </a:ln>
-                <a:solidFill>
-                  <a:schemeClr val="bg2"/>
-                </a:solidFill>
-                <a:effectLst/>
-                <a:uFillTx/>
-                <a:latin typeface="Calibir"/>
-                <a:ea typeface="Helvetica Neue"/>
-                <a:cs typeface="Calibir"/>
-                <a:sym typeface="Helvetica Neue"/>
-              </a:rPr>
-              <a:t>lights</a:t>
+              <a:t> personas con movilidad reducida para controlar el encendido y apagado de los bombillos</a:t>
             </a:r>
             <a:endParaRPr kumimoji="0" lang="es-ES" sz="3300" b="1" i="0" u="none" strike="noStrike" cap="none" spc="0" normalizeH="0" baseline="0" dirty="0">
               <a:ln>
@@ -8538,25 +4389,81 @@
                 <a:cs typeface="Calibir"/>
                 <a:sym typeface="Helvetica Neue"/>
               </a:rPr>
-              <a:t>Point to </a:t>
+              <a:t>Apuntar al internet de todo</a:t>
             </a:r>
-            <a:r>
-              <a:rPr kumimoji="0" lang="es-ES" sz="3300" b="0" i="0" u="none" strike="noStrike" cap="none" spc="0" normalizeH="0" baseline="0" dirty="0" err="1" smtClean="0">
-                <a:ln>
-                  <a:noFill/>
-                </a:ln>
-                <a:solidFill>
-                  <a:schemeClr val="bg2"/>
-                </a:solidFill>
-                <a:effectLst/>
-                <a:uFillTx/>
-                <a:latin typeface="Calibir"/>
-                <a:ea typeface="Helvetica Neue"/>
-                <a:cs typeface="Calibir"/>
-                <a:sym typeface="Helvetica Neue"/>
-              </a:rPr>
-              <a:t>the</a:t>
-            </a:r>
+            <a:endParaRPr kumimoji="0" lang="es-ES" sz="3300" b="1" i="0" u="none" strike="noStrike" cap="none" spc="0" normalizeH="0" baseline="0" dirty="0">
+              <a:ln>
+                <a:noFill/>
+              </a:ln>
+              <a:solidFill>
+                <a:schemeClr val="bg2"/>
+              </a:solidFill>
+              <a:effectLst/>
+              <a:uFillTx/>
+              <a:latin typeface="Calibir"/>
+              <a:ea typeface="Helvetica Neue"/>
+              <a:cs typeface="Calibir"/>
+              <a:sym typeface="Helvetica Neue"/>
+            </a:endParaRPr>
+          </a:p>
+        </p:txBody>
+      </p:sp>
+      <p:sp>
+        <p:nvSpPr>
+          <p:cNvPr id="7" name="CuadroTexto 6"/>
+          <p:cNvSpPr txBox="1"/>
+          <p:nvPr/>
+        </p:nvSpPr>
+        <p:spPr>
+          <a:xfrm>
+            <a:off x="2208766" y="8583751"/>
+            <a:ext cx="17832276" cy="652101"/>
+          </a:xfrm>
+          <a:prstGeom prst="rect">
+            <a:avLst/>
+          </a:prstGeom>
+          <a:noFill/>
+          <a:ln w="12700" cap="flat">
+            <a:noFill/>
+            <a:miter lim="400000"/>
+          </a:ln>
+          <a:effectLst/>
+          <a:sp3d/>
+        </p:spPr>
+        <p:style>
+          <a:lnRef idx="0">
+            <a:scrgbClr r="0" g="0" b="0"/>
+          </a:lnRef>
+          <a:fillRef idx="0">
+            <a:scrgbClr r="0" g="0" b="0"/>
+          </a:fillRef>
+          <a:effectRef idx="0">
+            <a:scrgbClr r="0" g="0" b="0"/>
+          </a:effectRef>
+          <a:fontRef idx="none"/>
+        </p:style>
+        <p:txBody>
+          <a:bodyPr rot="0" spcFirstLastPara="1" vertOverflow="overflow" horzOverflow="overflow" vert="horz" wrap="square" lIns="71437" tIns="71437" rIns="71437" bIns="71437" numCol="1" spcCol="38100" rtlCol="0" anchor="ctr">
+            <a:spAutoFit/>
+          </a:bodyPr>
+          <a:lstStyle/>
+          <a:p>
+            <a:pPr marL="0" marR="0" indent="0" algn="just" defTabSz="943239" rtl="0" fontAlgn="auto" latinLnBrk="0" hangingPunct="0">
+              <a:lnSpc>
+                <a:spcPct val="100000"/>
+              </a:lnSpc>
+              <a:spcBef>
+                <a:spcPts val="0"/>
+              </a:spcBef>
+              <a:spcAft>
+                <a:spcPts val="0"/>
+              </a:spcAft>
+              <a:buClrTx/>
+              <a:buSzTx/>
+              <a:buFontTx/>
+              <a:buNone/>
+              <a:tabLst/>
+            </a:pPr>
             <a:r>
               <a:rPr kumimoji="0" lang="es-ES" sz="3300" b="0" i="0" u="none" strike="noStrike" cap="none" spc="0" normalizeH="0" baseline="0" dirty="0" smtClean="0">
                 <a:ln>
@@ -8572,24 +4479,7 @@
                 <a:cs typeface="Calibir"/>
                 <a:sym typeface="Helvetica Neue"/>
               </a:rPr>
-              <a:t> internet of </a:t>
-            </a:r>
-            <a:r>
-              <a:rPr kumimoji="0" lang="es-ES" sz="3300" b="0" i="0" u="none" strike="noStrike" cap="none" spc="0" normalizeH="0" baseline="0" dirty="0" err="1" smtClean="0">
-                <a:ln>
-                  <a:noFill/>
-                </a:ln>
-                <a:solidFill>
-                  <a:schemeClr val="bg2"/>
-                </a:solidFill>
-                <a:effectLst/>
-                <a:uFillTx/>
-                <a:latin typeface="Calibir"/>
-                <a:ea typeface="Helvetica Neue"/>
-                <a:cs typeface="Calibir"/>
-                <a:sym typeface="Helvetica Neue"/>
-              </a:rPr>
-              <a:t>everything</a:t>
+              <a:t>Promover</a:t>
             </a:r>
             <a:r>
               <a:rPr kumimoji="0" lang="es-ES" sz="3300" b="0" i="0" u="none" strike="noStrike" cap="none" spc="0" normalizeH="0" dirty="0" smtClean="0">
@@ -8606,228 +4496,7 @@
                 <a:cs typeface="Calibir"/>
                 <a:sym typeface="Helvetica Neue"/>
               </a:rPr>
-              <a:t> and </a:t>
-            </a:r>
-            <a:r>
-              <a:rPr kumimoji="0" lang="es-ES" sz="3300" b="0" i="0" u="none" strike="noStrike" cap="none" spc="0" normalizeH="0" dirty="0" err="1" smtClean="0">
-                <a:ln>
-                  <a:noFill/>
-                </a:ln>
-                <a:solidFill>
-                  <a:schemeClr val="bg2"/>
-                </a:solidFill>
-                <a:effectLst/>
-                <a:uFillTx/>
-                <a:latin typeface="Calibir"/>
-                <a:ea typeface="Helvetica Neue"/>
-                <a:cs typeface="Calibir"/>
-                <a:sym typeface="Helvetica Neue"/>
-              </a:rPr>
-              <a:t>the</a:t>
-            </a:r>
-            <a:r>
-              <a:rPr kumimoji="0" lang="es-ES" sz="3300" b="0" i="0" u="none" strike="noStrike" cap="none" spc="0" normalizeH="0" dirty="0" smtClean="0">
-                <a:ln>
-                  <a:noFill/>
-                </a:ln>
-                <a:solidFill>
-                  <a:schemeClr val="bg2"/>
-                </a:solidFill>
-                <a:effectLst/>
-                <a:uFillTx/>
-                <a:latin typeface="Calibir"/>
-                <a:ea typeface="Helvetica Neue"/>
-                <a:cs typeface="Calibir"/>
-                <a:sym typeface="Helvetica Neue"/>
-              </a:rPr>
-              <a:t> new </a:t>
-            </a:r>
-            <a:r>
-              <a:rPr kumimoji="0" lang="es-ES" sz="3300" b="0" i="0" u="none" strike="noStrike" cap="none" spc="0" normalizeH="0" dirty="0" err="1" smtClean="0">
-                <a:ln>
-                  <a:noFill/>
-                </a:ln>
-                <a:solidFill>
-                  <a:schemeClr val="bg2"/>
-                </a:solidFill>
-                <a:effectLst/>
-                <a:uFillTx/>
-                <a:latin typeface="Calibir"/>
-                <a:ea typeface="Helvetica Neue"/>
-                <a:cs typeface="Calibir"/>
-                <a:sym typeface="Helvetica Neue"/>
-              </a:rPr>
-              <a:t>tecnologies</a:t>
-            </a:r>
-            <a:r>
-              <a:rPr kumimoji="0" lang="es-ES" sz="3300" b="0" i="0" u="none" strike="noStrike" cap="none" spc="0" normalizeH="0" dirty="0" smtClean="0">
-                <a:ln>
-                  <a:noFill/>
-                </a:ln>
-                <a:solidFill>
-                  <a:schemeClr val="bg2"/>
-                </a:solidFill>
-                <a:effectLst/>
-                <a:uFillTx/>
-                <a:latin typeface="Calibir"/>
-                <a:ea typeface="Helvetica Neue"/>
-                <a:cs typeface="Calibir"/>
-                <a:sym typeface="Helvetica Neue"/>
-              </a:rPr>
-              <a:t> </a:t>
-            </a:r>
-            <a:r>
-              <a:rPr kumimoji="0" lang="es-ES" sz="3300" b="0" i="0" u="none" strike="noStrike" cap="none" spc="0" normalizeH="0" dirty="0" err="1" smtClean="0">
-                <a:ln>
-                  <a:noFill/>
-                </a:ln>
-                <a:solidFill>
-                  <a:schemeClr val="bg2"/>
-                </a:solidFill>
-                <a:effectLst/>
-                <a:uFillTx/>
-                <a:latin typeface="Calibir"/>
-                <a:ea typeface="Helvetica Neue"/>
-                <a:cs typeface="Calibir"/>
-                <a:sym typeface="Helvetica Neue"/>
-              </a:rPr>
-              <a:t>that</a:t>
-            </a:r>
-            <a:r>
-              <a:rPr kumimoji="0" lang="es-ES" sz="3300" b="0" i="0" u="none" strike="noStrike" cap="none" spc="0" normalizeH="0" dirty="0" smtClean="0">
-                <a:ln>
-                  <a:noFill/>
-                </a:ln>
-                <a:solidFill>
-                  <a:schemeClr val="bg2"/>
-                </a:solidFill>
-                <a:effectLst/>
-                <a:uFillTx/>
-                <a:latin typeface="Calibir"/>
-                <a:ea typeface="Helvetica Neue"/>
-                <a:cs typeface="Calibir"/>
-                <a:sym typeface="Helvetica Neue"/>
-              </a:rPr>
-              <a:t> </a:t>
-            </a:r>
-            <a:r>
-              <a:rPr kumimoji="0" lang="es-ES" sz="3300" b="0" i="0" u="none" strike="noStrike" cap="none" spc="0" normalizeH="0" dirty="0" err="1" smtClean="0">
-                <a:ln>
-                  <a:noFill/>
-                </a:ln>
-                <a:solidFill>
-                  <a:schemeClr val="bg2"/>
-                </a:solidFill>
-                <a:effectLst/>
-                <a:uFillTx/>
-                <a:latin typeface="Calibir"/>
-                <a:ea typeface="Helvetica Neue"/>
-                <a:cs typeface="Calibir"/>
-                <a:sym typeface="Helvetica Neue"/>
-              </a:rPr>
-              <a:t>will</a:t>
-            </a:r>
-            <a:r>
-              <a:rPr kumimoji="0" lang="es-ES" sz="3300" b="0" i="0" u="none" strike="noStrike" cap="none" spc="0" normalizeH="0" dirty="0" smtClean="0">
-                <a:ln>
-                  <a:noFill/>
-                </a:ln>
-                <a:solidFill>
-                  <a:schemeClr val="bg2"/>
-                </a:solidFill>
-                <a:effectLst/>
-                <a:uFillTx/>
-                <a:latin typeface="Calibir"/>
-                <a:ea typeface="Helvetica Neue"/>
-                <a:cs typeface="Calibir"/>
-                <a:sym typeface="Helvetica Neue"/>
-              </a:rPr>
-              <a:t> come in </a:t>
-            </a:r>
-            <a:r>
-              <a:rPr kumimoji="0" lang="es-ES" sz="3300" b="0" i="0" u="none" strike="noStrike" cap="none" spc="0" normalizeH="0" dirty="0" err="1" smtClean="0">
-                <a:ln>
-                  <a:noFill/>
-                </a:ln>
-                <a:solidFill>
-                  <a:schemeClr val="bg2"/>
-                </a:solidFill>
-                <a:effectLst/>
-                <a:uFillTx/>
-                <a:latin typeface="Calibir"/>
-                <a:ea typeface="Helvetica Neue"/>
-                <a:cs typeface="Calibir"/>
-                <a:sym typeface="Helvetica Neue"/>
-              </a:rPr>
-              <a:t>the</a:t>
-            </a:r>
-            <a:r>
-              <a:rPr kumimoji="0" lang="es-ES" sz="3300" b="0" i="0" u="none" strike="noStrike" cap="none" spc="0" normalizeH="0" dirty="0" smtClean="0">
-                <a:ln>
-                  <a:noFill/>
-                </a:ln>
-                <a:solidFill>
-                  <a:schemeClr val="bg2"/>
-                </a:solidFill>
-                <a:effectLst/>
-                <a:uFillTx/>
-                <a:latin typeface="Calibir"/>
-                <a:ea typeface="Helvetica Neue"/>
-                <a:cs typeface="Calibir"/>
-                <a:sym typeface="Helvetica Neue"/>
-              </a:rPr>
-              <a:t> </a:t>
-            </a:r>
-            <a:r>
-              <a:rPr kumimoji="0" lang="es-ES" sz="3300" b="0" i="0" u="none" strike="noStrike" cap="none" spc="0" normalizeH="0" dirty="0" err="1" smtClean="0">
-                <a:ln>
-                  <a:noFill/>
-                </a:ln>
-                <a:solidFill>
-                  <a:schemeClr val="bg2"/>
-                </a:solidFill>
-                <a:effectLst/>
-                <a:uFillTx/>
-                <a:latin typeface="Calibir"/>
-                <a:ea typeface="Helvetica Neue"/>
-                <a:cs typeface="Calibir"/>
-                <a:sym typeface="Helvetica Neue"/>
-              </a:rPr>
-              <a:t>long</a:t>
-            </a:r>
-            <a:r>
-              <a:rPr kumimoji="0" lang="es-ES" sz="3300" b="0" i="0" u="none" strike="noStrike" cap="none" spc="0" normalizeH="0" dirty="0" smtClean="0">
-                <a:ln>
-                  <a:noFill/>
-                </a:ln>
-                <a:solidFill>
-                  <a:schemeClr val="bg2"/>
-                </a:solidFill>
-                <a:effectLst/>
-                <a:uFillTx/>
-                <a:latin typeface="Calibir"/>
-                <a:ea typeface="Helvetica Neue"/>
-                <a:cs typeface="Calibir"/>
-                <a:sym typeface="Helvetica Neue"/>
-              </a:rPr>
-              <a:t> </a:t>
-            </a:r>
-            <a:r>
-              <a:rPr kumimoji="0" lang="es-ES" sz="3300" b="0" i="0" u="none" strike="noStrike" cap="none" spc="0" normalizeH="0" dirty="0" err="1" smtClean="0">
-                <a:ln>
-                  <a:noFill/>
-                </a:ln>
-                <a:solidFill>
-                  <a:schemeClr val="bg2"/>
-                </a:solidFill>
-                <a:effectLst/>
-                <a:uFillTx/>
-                <a:latin typeface="Calibir"/>
-                <a:ea typeface="Helvetica Neue"/>
-                <a:cs typeface="Calibir"/>
-                <a:sym typeface="Helvetica Neue"/>
-              </a:rPr>
-              <a:t>term</a:t>
+              <a:t> una buena gestión energética del hogar</a:t>
             </a:r>
             <a:endParaRPr kumimoji="0" lang="es-ES" sz="3300" b="1" i="0" u="none" strike="noStrike" cap="none" spc="0" normalizeH="0" baseline="0" dirty="0">
               <a:ln>
@@ -8856,327 +4525,6 @@
 </file>
 
 <file path=ppt/slides/slide7.xml><?xml version="1.0" encoding="utf-8"?>
-<p:sld xmlns:a="http://schemas.openxmlformats.org/drawingml/2006/main" xmlns:r="http://schemas.openxmlformats.org/officeDocument/2006/relationships" xmlns:p="http://schemas.openxmlformats.org/presentationml/2006/main">
-  <p:cSld>
-    <p:bg>
-      <p:bgPr>
-        <a:blipFill rotWithShape="1">
-          <a:blip r:embed="rId2"/>
-          <a:stretch>
-            <a:fillRect/>
-          </a:stretch>
-        </a:blipFill>
-        <a:effectLst/>
-      </p:bgPr>
-    </p:bg>
-    <p:spTree>
-      <p:nvGrpSpPr>
-        <p:cNvPr id="1" name=""/>
-        <p:cNvGrpSpPr/>
-        <p:nvPr/>
-      </p:nvGrpSpPr>
-      <p:grpSpPr>
-        <a:xfrm>
-          <a:off x="0" y="0"/>
-          <a:ext cx="0" cy="0"/>
-          <a:chOff x="0" y="0"/>
-          <a:chExt cx="0" cy="0"/>
-        </a:xfrm>
-      </p:grpSpPr>
-      <p:sp>
-        <p:nvSpPr>
-          <p:cNvPr id="140" name="50%"/>
-          <p:cNvSpPr txBox="1"/>
-          <p:nvPr/>
-        </p:nvSpPr>
-        <p:spPr>
-          <a:xfrm>
-            <a:off x="3701653" y="6440380"/>
-            <a:ext cx="4384874" cy="2613240"/>
-          </a:xfrm>
-          <a:prstGeom prst="rect">
-            <a:avLst/>
-          </a:prstGeom>
-          <a:ln w="12700">
-            <a:miter lim="400000"/>
-          </a:ln>
-          <a:extLst>
-            <a:ext uri="{C572A759-6A51-4108-AA02-DFA0A04FC94B}">
-              <ma14:wrappingTextBoxFlag xmlns:ma14="http://schemas.microsoft.com/office/mac/drawingml/2011/main" xmlns="" val="1"/>
-            </a:ext>
-          </a:extLst>
-        </p:spPr>
-        <p:txBody>
-          <a:bodyPr lIns="71437" tIns="71437" rIns="71437" bIns="71437" anchor="b">
-            <a:normAutofit/>
-          </a:bodyPr>
-          <a:lstStyle>
-            <a:lvl1pPr marL="38100" marR="38100" indent="12700">
-              <a:lnSpc>
-                <a:spcPct val="80000"/>
-              </a:lnSpc>
-              <a:spcBef>
-                <a:spcPts val="100"/>
-              </a:spcBef>
-              <a:defRPr sz="18000">
-                <a:latin typeface="Calibri"/>
-                <a:ea typeface="Calibri"/>
-                <a:cs typeface="Calibri"/>
-                <a:sym typeface="Calibri"/>
-              </a:defRPr>
-            </a:lvl1pPr>
-          </a:lstStyle>
-          <a:p>
-            <a:r>
-              <a:rPr dirty="0"/>
-              <a:t>50%</a:t>
-            </a:r>
-          </a:p>
-        </p:txBody>
-      </p:sp>
-      <p:sp>
-        <p:nvSpPr>
-          <p:cNvPr id="141" name="Rectángulo"/>
-          <p:cNvSpPr/>
-          <p:nvPr/>
-        </p:nvSpPr>
-        <p:spPr>
-          <a:xfrm>
-            <a:off x="3865879" y="8820287"/>
-            <a:ext cx="1033398" cy="98763"/>
-          </a:xfrm>
-          <a:prstGeom prst="rect">
-            <a:avLst/>
-          </a:prstGeom>
-          <a:solidFill>
-            <a:srgbClr val="FFFFFF"/>
-          </a:solidFill>
-          <a:ln w="12700">
-            <a:miter lim="400000"/>
-          </a:ln>
-        </p:spPr>
-        <p:txBody>
-          <a:bodyPr lIns="71437" tIns="71437" rIns="71437" bIns="71437" anchor="ctr"/>
-          <a:lstStyle/>
-          <a:p>
-            <a:pPr>
-              <a:defRPr sz="3400" b="0">
-                <a:latin typeface="+mn-lt"/>
-                <a:ea typeface="+mn-ea"/>
-                <a:cs typeface="+mn-cs"/>
-                <a:sym typeface="Helvetica Neue Medium"/>
-              </a:defRPr>
-            </a:pPr>
-            <a:endParaRPr/>
-          </a:p>
-        </p:txBody>
-      </p:sp>
-      <p:sp>
-        <p:nvSpPr>
-          <p:cNvPr id="144" name="Texto corto descriptivo a…"/>
-          <p:cNvSpPr txBox="1"/>
-          <p:nvPr/>
-        </p:nvSpPr>
-        <p:spPr>
-          <a:xfrm>
-            <a:off x="3756595" y="9303702"/>
-            <a:ext cx="5431037" cy="1458596"/>
-          </a:xfrm>
-          <a:prstGeom prst="rect">
-            <a:avLst/>
-          </a:prstGeom>
-          <a:ln w="12700">
-            <a:miter lim="400000"/>
-          </a:ln>
-          <a:extLst>
-            <a:ext uri="{C572A759-6A51-4108-AA02-DFA0A04FC94B}">
-              <ma14:wrappingTextBoxFlag xmlns:ma14="http://schemas.microsoft.com/office/mac/drawingml/2011/main" xmlns="" val="1"/>
-            </a:ext>
-          </a:extLst>
-        </p:spPr>
-        <p:txBody>
-          <a:bodyPr wrap="none" lIns="71437" tIns="71437" rIns="71437" bIns="71437" anchor="ctr">
-            <a:spAutoFit/>
-          </a:bodyPr>
-          <a:lstStyle/>
-          <a:p>
-            <a:pPr algn="l">
-              <a:lnSpc>
-                <a:spcPts val="5200"/>
-              </a:lnSpc>
-              <a:defRPr sz="4000"/>
-            </a:pPr>
-            <a:r>
-              <a:rPr b="0">
-                <a:latin typeface="Calibri"/>
-                <a:ea typeface="Calibri"/>
-                <a:cs typeface="Calibri"/>
-                <a:sym typeface="Calibri"/>
-              </a:rPr>
-              <a:t>Texto corto descriptivo a </a:t>
-            </a:r>
-          </a:p>
-          <a:p>
-            <a:pPr algn="l">
-              <a:lnSpc>
-                <a:spcPts val="5200"/>
-              </a:lnSpc>
-              <a:defRPr sz="4000"/>
-            </a:pPr>
-            <a:r>
-              <a:rPr b="0">
-                <a:latin typeface="Calibri"/>
-                <a:ea typeface="Calibri"/>
-                <a:cs typeface="Calibri"/>
-                <a:sym typeface="Calibri"/>
-              </a:rPr>
-              <a:t>2 o 3 líneas</a:t>
-            </a:r>
-            <a:r>
-              <a:t>.</a:t>
-            </a:r>
-          </a:p>
-        </p:txBody>
-      </p:sp>
-    </p:spTree>
-  </p:cSld>
-  <p:clrMapOvr>
-    <a:masterClrMapping/>
-  </p:clrMapOvr>
-  <p:transition spd="med"/>
-</p:sld>
-</file>
-
-<file path=ppt/slides/slide8.xml><?xml version="1.0" encoding="utf-8"?>
-<p:sld xmlns:a="http://schemas.openxmlformats.org/drawingml/2006/main" xmlns:r="http://schemas.openxmlformats.org/officeDocument/2006/relationships" xmlns:p="http://schemas.openxmlformats.org/presentationml/2006/main">
-  <p:cSld>
-    <p:bg>
-      <p:bgPr>
-        <a:blipFill rotWithShape="1">
-          <a:blip r:embed="rId2"/>
-          <a:stretch>
-            <a:fillRect/>
-          </a:stretch>
-        </a:blipFill>
-        <a:effectLst/>
-      </p:bgPr>
-    </p:bg>
-    <p:spTree>
-      <p:nvGrpSpPr>
-        <p:cNvPr id="1" name=""/>
-        <p:cNvGrpSpPr/>
-        <p:nvPr/>
-      </p:nvGrpSpPr>
-      <p:grpSpPr>
-        <a:xfrm>
-          <a:off x="0" y="0"/>
-          <a:ext cx="0" cy="0"/>
-          <a:chOff x="0" y="0"/>
-          <a:chExt cx="0" cy="0"/>
-        </a:xfrm>
-      </p:grpSpPr>
-      <p:sp>
-        <p:nvSpPr>
-          <p:cNvPr id="125" name="Título"/>
-          <p:cNvSpPr txBox="1"/>
-          <p:nvPr/>
-        </p:nvSpPr>
-        <p:spPr>
-          <a:xfrm>
-            <a:off x="4848345" y="-353039"/>
-            <a:ext cx="13212471" cy="2885562"/>
-          </a:xfrm>
-          <a:prstGeom prst="rect">
-            <a:avLst/>
-          </a:prstGeom>
-          <a:ln w="12700">
-            <a:miter lim="400000"/>
-          </a:ln>
-          <a:extLst>
-            <a:ext uri="{C572A759-6A51-4108-AA02-DFA0A04FC94B}">
-              <ma14:wrappingTextBoxFlag xmlns:ma14="http://schemas.microsoft.com/office/mac/drawingml/2011/main" xmlns="" val="1"/>
-            </a:ext>
-          </a:extLst>
-        </p:spPr>
-        <p:txBody>
-          <a:bodyPr lIns="71437" tIns="71437" rIns="71437" bIns="71437" anchor="b">
-            <a:noAutofit/>
-          </a:bodyPr>
-          <a:lstStyle>
-            <a:lvl1pPr marL="28955" marR="28955" indent="9651" defTabSz="716862">
-              <a:lnSpc>
-                <a:spcPct val="80000"/>
-              </a:lnSpc>
-              <a:defRPr sz="16796">
-                <a:solidFill>
-                  <a:srgbClr val="434343"/>
-                </a:solidFill>
-                <a:latin typeface="Calibri"/>
-                <a:ea typeface="Calibri"/>
-                <a:cs typeface="Calibri"/>
-                <a:sym typeface="Calibri"/>
-              </a:defRPr>
-            </a:lvl1pPr>
-          </a:lstStyle>
-          <a:p>
-            <a:pPr>
-              <a:lnSpc>
-                <a:spcPct val="120000"/>
-              </a:lnSpc>
-            </a:pPr>
-            <a:r>
-              <a:rPr lang="es-CO" sz="5400" dirty="0" smtClean="0"/>
-              <a:t>Diagrama de clases</a:t>
-            </a:r>
-            <a:endParaRPr sz="5400" dirty="0"/>
-          </a:p>
-        </p:txBody>
-      </p:sp>
-      <p:pic>
-        <p:nvPicPr>
-          <p:cNvPr id="3" name="Imagen 2"/>
-          <p:cNvPicPr>
-            <a:picLocks noChangeAspect="1"/>
-          </p:cNvPicPr>
-          <p:nvPr/>
-        </p:nvPicPr>
-        <p:blipFill>
-          <a:blip r:embed="rId3">
-            <a:extLst>
-              <a:ext uri="{28A0092B-C50C-407E-A947-70E740481C1C}">
-                <a14:useLocalDpi xmlns:a14="http://schemas.microsoft.com/office/drawing/2010/main" val="0"/>
-              </a:ext>
-            </a:extLst>
-          </a:blip>
-          <a:stretch>
-            <a:fillRect/>
-          </a:stretch>
-        </p:blipFill>
-        <p:spPr>
-          <a:xfrm>
-            <a:off x="2135500" y="2834641"/>
-            <a:ext cx="20193557" cy="11353307"/>
-          </a:xfrm>
-          <a:prstGeom prst="rect">
-            <a:avLst/>
-          </a:prstGeom>
-        </p:spPr>
-      </p:pic>
-    </p:spTree>
-    <p:extLst>
-      <p:ext uri="{BB962C8B-B14F-4D97-AF65-F5344CB8AC3E}">
-        <p14:creationId xmlns:p14="http://schemas.microsoft.com/office/powerpoint/2010/main" val="1790279598"/>
-      </p:ext>
-    </p:extLst>
-  </p:cSld>
-  <p:clrMapOvr>
-    <a:masterClrMapping/>
-  </p:clrMapOvr>
-  <p:transition spd="med"/>
-</p:sld>
-</file>
-
-<file path=ppt/slides/slide9.xml><?xml version="1.0" encoding="utf-8"?>
 <p:sld xmlns:a="http://schemas.openxmlformats.org/drawingml/2006/main" xmlns:r="http://schemas.openxmlformats.org/officeDocument/2006/relationships" xmlns:p="http://schemas.openxmlformats.org/presentationml/2006/main">
   <p:cSld>
     <p:bg>
@@ -9446,6 +4794,48 @@
     <p:extLst>
       <p:ext uri="{BB962C8B-B14F-4D97-AF65-F5344CB8AC3E}">
         <p14:creationId xmlns:p14="http://schemas.microsoft.com/office/powerpoint/2010/main" val="1799042888"/>
+      </p:ext>
+    </p:extLst>
+  </p:cSld>
+  <p:clrMapOvr>
+    <a:masterClrMapping/>
+  </p:clrMapOvr>
+  <p:transition spd="med"/>
+</p:sld>
+</file>
+
+<file path=ppt/slides/slide8.xml><?xml version="1.0" encoding="utf-8"?>
+<p:sld xmlns:a="http://schemas.openxmlformats.org/drawingml/2006/main" xmlns:r="http://schemas.openxmlformats.org/officeDocument/2006/relationships" xmlns:p="http://schemas.openxmlformats.org/presentationml/2006/main">
+  <p:cSld>
+    <p:bg>
+      <p:bgPr>
+        <a:blipFill rotWithShape="1">
+          <a:blip r:embed="rId2"/>
+          <a:stretch>
+            <a:fillRect/>
+          </a:stretch>
+        </a:blipFill>
+        <a:effectLst/>
+      </p:bgPr>
+    </p:bg>
+    <p:spTree>
+      <p:nvGrpSpPr>
+        <p:cNvPr id="1" name=""/>
+        <p:cNvGrpSpPr/>
+        <p:nvPr/>
+      </p:nvGrpSpPr>
+      <p:grpSpPr>
+        <a:xfrm>
+          <a:off x="0" y="0"/>
+          <a:ext cx="0" cy="0"/>
+          <a:chOff x="0" y="0"/>
+          <a:chExt cx="0" cy="0"/>
+        </a:xfrm>
+      </p:grpSpPr>
+    </p:spTree>
+    <p:extLst>
+      <p:ext uri="{BB962C8B-B14F-4D97-AF65-F5344CB8AC3E}">
+        <p14:creationId xmlns:p14="http://schemas.microsoft.com/office/powerpoint/2010/main" val="2432136026"/>
       </p:ext>
     </p:extLst>
   </p:cSld>
